--- a/小程序讲稿.pptx
+++ b/小程序讲稿.pptx
@@ -2,24 +2,25 @@
 <file path=ppt/presentation.xml><?xml version="1.0" encoding="utf-8"?>
 <p:presentation xmlns:a="http://schemas.openxmlformats.org/drawingml/2006/main" xmlns:r="http://schemas.openxmlformats.org/officeDocument/2006/relationships" xmlns:p="http://schemas.openxmlformats.org/presentationml/2006/main">
   <p:sldMasterIdLst>
-    <p:sldMasterId id="2147483648" r:id="rId5"/>
+    <p:sldMasterId id="2147483648" r:id="rId1"/>
   </p:sldMasterIdLst>
   <p:notesMasterIdLst>
-    <p:notesMasterId r:id="rId7"/>
+    <p:notesMasterId r:id="rId16"/>
   </p:notesMasterIdLst>
   <p:sldIdLst>
-    <p:sldId id="256" r:id="rId8"/>
-    <p:sldId id="257" r:id="rId9"/>
-    <p:sldId id="258" r:id="rId10"/>
-    <p:sldId id="259" r:id="rId11"/>
-    <p:sldId id="260" r:id="rId12"/>
-    <p:sldId id="261" r:id="rId13"/>
-    <p:sldId id="262" r:id="rId14"/>
-    <p:sldId id="263" r:id="rId15"/>
-    <p:sldId id="264" r:id="rId16"/>
-    <p:sldId id="265" r:id="rId17"/>
-    <p:sldId id="266" r:id="rId18"/>
-    <p:sldId id="267" r:id="rId19"/>
+    <p:sldId id="256" r:id="rId3"/>
+    <p:sldId id="257" r:id="rId4"/>
+    <p:sldId id="258" r:id="rId5"/>
+    <p:sldId id="259" r:id="rId6"/>
+    <p:sldId id="268" r:id="rId7"/>
+    <p:sldId id="260" r:id="rId8"/>
+    <p:sldId id="261" r:id="rId9"/>
+    <p:sldId id="262" r:id="rId10"/>
+    <p:sldId id="263" r:id="rId11"/>
+    <p:sldId id="264" r:id="rId12"/>
+    <p:sldId id="265" r:id="rId13"/>
+    <p:sldId id="266" r:id="rId14"/>
+    <p:sldId id="267" r:id="rId15"/>
   </p:sldIdLst>
   <p:sldSz cx="13004800" cy="9753600"/>
   <p:notesSz cx="6858000" cy="9144000"/>
@@ -38,8 +39,7 @@
       <a:buSzTx/>
       <a:buFontTx/>
       <a:buNone/>
-      <a:tabLst/>
-      <a:defRPr b="0" baseline="0" cap="none" i="0" spc="0" strike="noStrike" sz="1800" u="none" kumimoji="0" normalizeH="0">
+      <a:defRPr kumimoji="0" sz="1800" b="0" i="0" u="none" strike="noStrike" cap="none" spc="0" normalizeH="0" baseline="0">
         <a:ln>
           <a:noFill/>
         </a:ln>
@@ -64,8 +64,7 @@
       <a:buSzTx/>
       <a:buFontTx/>
       <a:buNone/>
-      <a:tabLst/>
-      <a:defRPr b="0" baseline="0" cap="none" i="0" spc="0" strike="noStrike" sz="3600" u="none" kumimoji="0" normalizeH="0">
+      <a:defRPr kumimoji="0" sz="3600" b="0" i="0" u="none" strike="noStrike" cap="none" spc="0" normalizeH="0" baseline="0">
         <a:ln>
           <a:noFill/>
         </a:ln>
@@ -94,8 +93,7 @@
       <a:buSzTx/>
       <a:buFontTx/>
       <a:buNone/>
-      <a:tabLst/>
-      <a:defRPr b="0" baseline="0" cap="none" i="0" spc="0" strike="noStrike" sz="3600" u="none" kumimoji="0" normalizeH="0">
+      <a:defRPr kumimoji="0" sz="3600" b="0" i="0" u="none" strike="noStrike" cap="none" spc="0" normalizeH="0" baseline="0">
         <a:ln>
           <a:noFill/>
         </a:ln>
@@ -124,8 +122,7 @@
       <a:buSzTx/>
       <a:buFontTx/>
       <a:buNone/>
-      <a:tabLst/>
-      <a:defRPr b="0" baseline="0" cap="none" i="0" spc="0" strike="noStrike" sz="3600" u="none" kumimoji="0" normalizeH="0">
+      <a:defRPr kumimoji="0" sz="3600" b="0" i="0" u="none" strike="noStrike" cap="none" spc="0" normalizeH="0" baseline="0">
         <a:ln>
           <a:noFill/>
         </a:ln>
@@ -154,8 +151,7 @@
       <a:buSzTx/>
       <a:buFontTx/>
       <a:buNone/>
-      <a:tabLst/>
-      <a:defRPr b="0" baseline="0" cap="none" i="0" spc="0" strike="noStrike" sz="3600" u="none" kumimoji="0" normalizeH="0">
+      <a:defRPr kumimoji="0" sz="3600" b="0" i="0" u="none" strike="noStrike" cap="none" spc="0" normalizeH="0" baseline="0">
         <a:ln>
           <a:noFill/>
         </a:ln>
@@ -184,8 +180,7 @@
       <a:buSzTx/>
       <a:buFontTx/>
       <a:buNone/>
-      <a:tabLst/>
-      <a:defRPr b="0" baseline="0" cap="none" i="0" spc="0" strike="noStrike" sz="3600" u="none" kumimoji="0" normalizeH="0">
+      <a:defRPr kumimoji="0" sz="3600" b="0" i="0" u="none" strike="noStrike" cap="none" spc="0" normalizeH="0" baseline="0">
         <a:ln>
           <a:noFill/>
         </a:ln>
@@ -214,8 +209,7 @@
       <a:buSzTx/>
       <a:buFontTx/>
       <a:buNone/>
-      <a:tabLst/>
-      <a:defRPr b="0" baseline="0" cap="none" i="0" spc="0" strike="noStrike" sz="3600" u="none" kumimoji="0" normalizeH="0">
+      <a:defRPr kumimoji="0" sz="3600" b="0" i="0" u="none" strike="noStrike" cap="none" spc="0" normalizeH="0" baseline="0">
         <a:ln>
           <a:noFill/>
         </a:ln>
@@ -244,8 +238,7 @@
       <a:buSzTx/>
       <a:buFontTx/>
       <a:buNone/>
-      <a:tabLst/>
-      <a:defRPr b="0" baseline="0" cap="none" i="0" spc="0" strike="noStrike" sz="3600" u="none" kumimoji="0" normalizeH="0">
+      <a:defRPr kumimoji="0" sz="3600" b="0" i="0" u="none" strike="noStrike" cap="none" spc="0" normalizeH="0" baseline="0">
         <a:ln>
           <a:noFill/>
         </a:ln>
@@ -274,8 +267,7 @@
       <a:buSzTx/>
       <a:buFontTx/>
       <a:buNone/>
-      <a:tabLst/>
-      <a:defRPr b="0" baseline="0" cap="none" i="0" spc="0" strike="noStrike" sz="3600" u="none" kumimoji="0" normalizeH="0">
+      <a:defRPr kumimoji="0" sz="3600" b="0" i="0" u="none" strike="noStrike" cap="none" spc="0" normalizeH="0" baseline="0">
         <a:ln>
           <a:noFill/>
         </a:ln>
@@ -304,8 +296,7 @@
       <a:buSzTx/>
       <a:buFontTx/>
       <a:buNone/>
-      <a:tabLst/>
-      <a:defRPr b="0" baseline="0" cap="none" i="0" spc="0" strike="noStrike" sz="3600" u="none" kumimoji="0" normalizeH="0">
+      <a:defRPr kumimoji="0" sz="3600" b="0" i="0" u="none" strike="noStrike" cap="none" spc="0" normalizeH="0" baseline="0">
         <a:ln>
           <a:noFill/>
         </a:ln>
@@ -324,13 +315,14 @@
 </p:presentation>
 </file>
 
-<file path=ppt/commentAuthors.xml><?xml version="1.0" encoding="utf-8"?>
-<p:cmAuthorLst xmlns:a="http://schemas.openxmlformats.org/drawingml/2006/main" xmlns:r="http://schemas.openxmlformats.org/officeDocument/2006/relationships" xmlns:p="http://schemas.openxmlformats.org/presentationml/2006/main"/>
-</file>
-
 <file path=ppt/notesMasters/notesMaster1.xml><?xml version="1.0" encoding="utf-8"?>
 <p:notesMaster xmlns:a="http://schemas.openxmlformats.org/drawingml/2006/main" xmlns:r="http://schemas.openxmlformats.org/officeDocument/2006/relationships" xmlns:p="http://schemas.openxmlformats.org/presentationml/2006/main">
   <p:cSld>
+    <p:bg>
+      <p:bgRef idx="1001">
+        <a:schemeClr val="bg1"/>
+      </p:bgRef>
+    </p:bg>
     <p:spTree>
       <p:nvGrpSpPr>
         <p:cNvPr id="1" name=""/>
@@ -365,9 +357,7 @@
         <p:txBody>
           <a:bodyPr/>
           <a:lstStyle/>
-          <a:p>
-            <a:pPr/>
-          </a:p>
+          <a:p/>
         </p:txBody>
       </p:sp>
       <p:sp>
@@ -390,9 +380,7 @@
         <p:txBody>
           <a:bodyPr/>
           <a:lstStyle/>
-          <a:p>
-            <a:pPr/>
-          </a:p>
+          <a:p/>
         </p:txBody>
       </p:sp>
     </p:spTree>
@@ -401,7 +389,7 @@
   <p:notesStyle>
     <a:lvl1pPr defTabSz="457200" latinLnBrk="0">
       <a:lnSpc>
-        <a:spcPct val="117999"/>
+        <a:spcPct val="118000"/>
       </a:lnSpc>
       <a:defRPr sz="2200">
         <a:latin typeface="Helvetica Neue"/>
@@ -412,7 +400,7 @@
     </a:lvl1pPr>
     <a:lvl2pPr indent="228600" defTabSz="457200" latinLnBrk="0">
       <a:lnSpc>
-        <a:spcPct val="117999"/>
+        <a:spcPct val="118000"/>
       </a:lnSpc>
       <a:defRPr sz="2200">
         <a:latin typeface="Helvetica Neue"/>
@@ -423,7 +411,7 @@
     </a:lvl2pPr>
     <a:lvl3pPr indent="457200" defTabSz="457200" latinLnBrk="0">
       <a:lnSpc>
-        <a:spcPct val="117999"/>
+        <a:spcPct val="118000"/>
       </a:lnSpc>
       <a:defRPr sz="2200">
         <a:latin typeface="Helvetica Neue"/>
@@ -434,7 +422,7 @@
     </a:lvl3pPr>
     <a:lvl4pPr indent="685800" defTabSz="457200" latinLnBrk="0">
       <a:lnSpc>
-        <a:spcPct val="117999"/>
+        <a:spcPct val="118000"/>
       </a:lnSpc>
       <a:defRPr sz="2200">
         <a:latin typeface="Helvetica Neue"/>
@@ -445,7 +433,7 @@
     </a:lvl4pPr>
     <a:lvl5pPr indent="914400" defTabSz="457200" latinLnBrk="0">
       <a:lnSpc>
-        <a:spcPct val="117999"/>
+        <a:spcPct val="118000"/>
       </a:lnSpc>
       <a:defRPr sz="2200">
         <a:latin typeface="Helvetica Neue"/>
@@ -456,7 +444,7 @@
     </a:lvl5pPr>
     <a:lvl6pPr indent="1143000" defTabSz="457200" latinLnBrk="0">
       <a:lnSpc>
-        <a:spcPct val="117999"/>
+        <a:spcPct val="118000"/>
       </a:lnSpc>
       <a:defRPr sz="2200">
         <a:latin typeface="Helvetica Neue"/>
@@ -467,7 +455,7 @@
     </a:lvl6pPr>
     <a:lvl7pPr indent="1371600" defTabSz="457200" latinLnBrk="0">
       <a:lnSpc>
-        <a:spcPct val="117999"/>
+        <a:spcPct val="118000"/>
       </a:lnSpc>
       <a:defRPr sz="2200">
         <a:latin typeface="Helvetica Neue"/>
@@ -478,7 +466,7 @@
     </a:lvl7pPr>
     <a:lvl8pPr indent="1600200" defTabSz="457200" latinLnBrk="0">
       <a:lnSpc>
-        <a:spcPct val="117999"/>
+        <a:spcPct val="118000"/>
       </a:lnSpc>
       <a:defRPr sz="2200">
         <a:latin typeface="Helvetica Neue"/>
@@ -489,7 +477,7 @@
     </a:lvl8pPr>
     <a:lvl9pPr indent="1828800" defTabSz="457200" latinLnBrk="0">
       <a:lnSpc>
-        <a:spcPct val="117999"/>
+        <a:spcPct val="118000"/>
       </a:lnSpc>
       <a:defRPr sz="2200">
         <a:latin typeface="Helvetica Neue"/>
@@ -503,7 +491,7 @@
 </file>
 
 <file path=ppt/slideLayouts/slideLayout1.xml><?xml version="1.0" encoding="utf-8"?>
-<p:sldLayout xmlns:a="http://schemas.openxmlformats.org/drawingml/2006/main" xmlns:r="http://schemas.openxmlformats.org/officeDocument/2006/relationships" xmlns:p="http://schemas.openxmlformats.org/presentationml/2006/main" type="title" showMasterSp="1" showMasterPhAnim="1">
+<p:sldLayout xmlns:a="http://schemas.openxmlformats.org/drawingml/2006/main" xmlns:r="http://schemas.openxmlformats.org/officeDocument/2006/relationships" xmlns:p="http://schemas.openxmlformats.org/presentationml/2006/main" type="title">
   <p:cSld name="标题与副标题">
     <p:spTree>
       <p:nvGrpSpPr>
@@ -524,7 +512,7 @@
           <p:cNvPr id="11" name="标题文本"/>
           <p:cNvSpPr txBox="1"/>
           <p:nvPr>
-            <p:ph type="title"/>
+            <p:ph type="title" hasCustomPrompt="1"/>
           </p:nvPr>
         </p:nvSpPr>
         <p:spPr>
@@ -540,7 +528,6 @@
           <a:bodyPr anchor="b"/>
           <a:lstStyle/>
           <a:p>
-            <a:pPr/>
             <a:r>
               <a:t>标题文本</a:t>
             </a:r>
@@ -552,7 +539,7 @@
           <p:cNvPr id="12" name="正文级别 1…"/>
           <p:cNvSpPr txBox="1"/>
           <p:nvPr>
-            <p:ph type="body" sz="quarter" idx="1"/>
+            <p:ph type="body" sz="quarter" idx="1" hasCustomPrompt="1"/>
           </p:nvPr>
         </p:nvSpPr>
         <p:spPr>
@@ -604,7 +591,6 @@
             </a:lvl5pPr>
           </a:lstStyle>
           <a:p>
-            <a:pPr/>
             <a:r>
               <a:t>正文级别 1</a:t>
             </a:r>
@@ -652,8 +638,10 @@
           <a:bodyPr/>
           <a:lstStyle/>
           <a:p>
-            <a:pPr/>
-            <a:fld id="{86CB4B4D-7CA3-9044-876B-883B54F8677D}" type="slidenum"/>
+            <a:fld id="{86CB4B4D-7CA3-9044-876B-883B54F8677D}" type="slidenum">
+              <a:rPr/>
+            </a:fld>
+            <a:endParaRPr/>
           </a:p>
         </p:txBody>
       </p:sp>
@@ -662,12 +650,12 @@
   <p:clrMapOvr>
     <a:masterClrMapping/>
   </p:clrMapOvr>
-  <p:transition xmlns:p14="http://schemas.microsoft.com/office/powerpoint/2010/main" spd="med" advClick="1"/>
+  <p:transition spd="med"/>
 </p:sldLayout>
 </file>
 
 <file path=ppt/slideLayouts/slideLayout10.xml><?xml version="1.0" encoding="utf-8"?>
-<p:sldLayout xmlns:a="http://schemas.openxmlformats.org/drawingml/2006/main" xmlns:r="http://schemas.openxmlformats.org/officeDocument/2006/relationships" xmlns:p="http://schemas.openxmlformats.org/presentationml/2006/main" type="tx" showMasterSp="1" showMasterPhAnim="1">
+<p:sldLayout xmlns:a="http://schemas.openxmlformats.org/drawingml/2006/main" xmlns:r="http://schemas.openxmlformats.org/officeDocument/2006/relationships" xmlns:p="http://schemas.openxmlformats.org/presentationml/2006/main" type="tx">
   <p:cSld name="引文">
     <p:spTree>
       <p:nvGrpSpPr>
@@ -688,7 +676,7 @@
           <p:cNvPr id="93" name="–Johnny Appleseed"/>
           <p:cNvSpPr txBox="1"/>
           <p:nvPr>
-            <p:ph type="body" sz="quarter" idx="13"/>
+            <p:ph type="body" sz="quarter" idx="13" hasCustomPrompt="1"/>
           </p:nvPr>
         </p:nvSpPr>
         <p:spPr>
@@ -715,7 +703,6 @@
             </a:lvl1pPr>
           </a:lstStyle>
           <a:p>
-            <a:pPr/>
             <a:r>
               <a:t>–Johnny Appleseed</a:t>
             </a:r>
@@ -727,7 +714,7 @@
           <p:cNvPr id="94" name="“在此键入引文。”"/>
           <p:cNvSpPr txBox="1"/>
           <p:nvPr>
-            <p:ph type="body" sz="quarter" idx="14"/>
+            <p:ph type="body" sz="quarter" idx="14" hasCustomPrompt="1"/>
           </p:nvPr>
         </p:nvSpPr>
         <p:spPr>
@@ -753,7 +740,6 @@
             </a:lvl1pPr>
           </a:lstStyle>
           <a:p>
-            <a:pPr/>
             <a:r>
               <a:t>“在此键入引文。”</a:t>
             </a:r>
@@ -777,8 +763,10 @@
           <a:bodyPr/>
           <a:lstStyle/>
           <a:p>
-            <a:pPr/>
-            <a:fld id="{86CB4B4D-7CA3-9044-876B-883B54F8677D}" type="slidenum"/>
+            <a:fld id="{86CB4B4D-7CA3-9044-876B-883B54F8677D}" type="slidenum">
+              <a:rPr/>
+            </a:fld>
+            <a:endParaRPr/>
           </a:p>
         </p:txBody>
       </p:sp>
@@ -787,12 +775,12 @@
   <p:clrMapOvr>
     <a:masterClrMapping/>
   </p:clrMapOvr>
-  <p:transition xmlns:p14="http://schemas.microsoft.com/office/powerpoint/2010/main" spd="med" advClick="1"/>
+  <p:transition spd="med"/>
 </p:sldLayout>
 </file>
 
 <file path=ppt/slideLayouts/slideLayout11.xml><?xml version="1.0" encoding="utf-8"?>
-<p:sldLayout xmlns:a="http://schemas.openxmlformats.org/drawingml/2006/main" xmlns:r="http://schemas.openxmlformats.org/officeDocument/2006/relationships" xmlns:p="http://schemas.openxmlformats.org/presentationml/2006/main" type="tx" showMasterSp="1" showMasterPhAnim="1">
+<p:sldLayout xmlns:a="http://schemas.openxmlformats.org/drawingml/2006/main" xmlns:r="http://schemas.openxmlformats.org/officeDocument/2006/relationships" xmlns:p="http://schemas.openxmlformats.org/presentationml/2006/main" type="tx">
   <p:cSld name="照片">
     <p:spTree>
       <p:nvGrpSpPr>
@@ -830,9 +818,7 @@
             <a:noAutofit/>
           </a:bodyPr>
           <a:lstStyle/>
-          <a:p>
-            <a:pPr/>
-          </a:p>
+          <a:p/>
         </p:txBody>
       </p:sp>
       <p:sp>
@@ -852,8 +838,10 @@
           <a:bodyPr/>
           <a:lstStyle/>
           <a:p>
-            <a:pPr/>
-            <a:fld id="{86CB4B4D-7CA3-9044-876B-883B54F8677D}" type="slidenum"/>
+            <a:fld id="{86CB4B4D-7CA3-9044-876B-883B54F8677D}" type="slidenum">
+              <a:rPr/>
+            </a:fld>
+            <a:endParaRPr/>
           </a:p>
         </p:txBody>
       </p:sp>
@@ -862,12 +850,12 @@
   <p:clrMapOvr>
     <a:masterClrMapping/>
   </p:clrMapOvr>
-  <p:transition xmlns:p14="http://schemas.microsoft.com/office/powerpoint/2010/main" spd="med" advClick="1"/>
+  <p:transition spd="med"/>
 </p:sldLayout>
 </file>
 
 <file path=ppt/slideLayouts/slideLayout12.xml><?xml version="1.0" encoding="utf-8"?>
-<p:sldLayout xmlns:a="http://schemas.openxmlformats.org/drawingml/2006/main" xmlns:r="http://schemas.openxmlformats.org/officeDocument/2006/relationships" xmlns:p="http://schemas.openxmlformats.org/presentationml/2006/main" type="tx" showMasterSp="1" showMasterPhAnim="1">
+<p:sldLayout xmlns:a="http://schemas.openxmlformats.org/drawingml/2006/main" xmlns:r="http://schemas.openxmlformats.org/officeDocument/2006/relationships" xmlns:p="http://schemas.openxmlformats.org/presentationml/2006/main" type="tx">
   <p:cSld name="空白">
     <p:spTree>
       <p:nvGrpSpPr>
@@ -900,8 +888,10 @@
           <a:bodyPr/>
           <a:lstStyle/>
           <a:p>
-            <a:pPr/>
-            <a:fld id="{86CB4B4D-7CA3-9044-876B-883B54F8677D}" type="slidenum"/>
+            <a:fld id="{86CB4B4D-7CA3-9044-876B-883B54F8677D}" type="slidenum">
+              <a:rPr/>
+            </a:fld>
+            <a:endParaRPr/>
           </a:p>
         </p:txBody>
       </p:sp>
@@ -910,12 +900,12 @@
   <p:clrMapOvr>
     <a:masterClrMapping/>
   </p:clrMapOvr>
-  <p:transition xmlns:p14="http://schemas.microsoft.com/office/powerpoint/2010/main" spd="med" advClick="1"/>
+  <p:transition spd="med"/>
 </p:sldLayout>
 </file>
 
 <file path=ppt/slideLayouts/slideLayout2.xml><?xml version="1.0" encoding="utf-8"?>
-<p:sldLayout xmlns:a="http://schemas.openxmlformats.org/drawingml/2006/main" xmlns:r="http://schemas.openxmlformats.org/officeDocument/2006/relationships" xmlns:p="http://schemas.openxmlformats.org/presentationml/2006/main" type="tx" showMasterSp="1" showMasterPhAnim="1">
+<p:sldLayout xmlns:a="http://schemas.openxmlformats.org/drawingml/2006/main" xmlns:r="http://schemas.openxmlformats.org/officeDocument/2006/relationships" xmlns:p="http://schemas.openxmlformats.org/presentationml/2006/main" type="tx">
   <p:cSld name="照片 - 水平">
     <p:spTree>
       <p:nvGrpSpPr>
@@ -953,9 +943,7 @@
             <a:noAutofit/>
           </a:bodyPr>
           <a:lstStyle/>
-          <a:p>
-            <a:pPr/>
-          </a:p>
+          <a:p/>
         </p:txBody>
       </p:sp>
       <p:sp>
@@ -963,7 +951,7 @@
           <p:cNvPr id="21" name="标题文本"/>
           <p:cNvSpPr txBox="1"/>
           <p:nvPr>
-            <p:ph type="title"/>
+            <p:ph type="title" hasCustomPrompt="1"/>
           </p:nvPr>
         </p:nvSpPr>
         <p:spPr>
@@ -979,7 +967,6 @@
           <a:bodyPr/>
           <a:lstStyle/>
           <a:p>
-            <a:pPr/>
             <a:r>
               <a:t>标题文本</a:t>
             </a:r>
@@ -991,7 +978,7 @@
           <p:cNvPr id="22" name="正文级别 1…"/>
           <p:cNvSpPr txBox="1"/>
           <p:nvPr>
-            <p:ph type="body" sz="quarter" idx="1"/>
+            <p:ph type="body" sz="quarter" idx="1" hasCustomPrompt="1"/>
           </p:nvPr>
         </p:nvSpPr>
         <p:spPr>
@@ -1043,7 +1030,6 @@
             </a:lvl5pPr>
           </a:lstStyle>
           <a:p>
-            <a:pPr/>
             <a:r>
               <a:t>正文级别 1</a:t>
             </a:r>
@@ -1091,8 +1077,10 @@
           <a:bodyPr/>
           <a:lstStyle/>
           <a:p>
-            <a:pPr/>
-            <a:fld id="{86CB4B4D-7CA3-9044-876B-883B54F8677D}" type="slidenum"/>
+            <a:fld id="{86CB4B4D-7CA3-9044-876B-883B54F8677D}" type="slidenum">
+              <a:rPr/>
+            </a:fld>
+            <a:endParaRPr/>
           </a:p>
         </p:txBody>
       </p:sp>
@@ -1101,12 +1089,12 @@
   <p:clrMapOvr>
     <a:masterClrMapping/>
   </p:clrMapOvr>
-  <p:transition xmlns:p14="http://schemas.microsoft.com/office/powerpoint/2010/main" spd="med" advClick="1"/>
+  <p:transition spd="med"/>
 </p:sldLayout>
 </file>
 
 <file path=ppt/slideLayouts/slideLayout3.xml><?xml version="1.0" encoding="utf-8"?>
-<p:sldLayout xmlns:a="http://schemas.openxmlformats.org/drawingml/2006/main" xmlns:r="http://schemas.openxmlformats.org/officeDocument/2006/relationships" xmlns:p="http://schemas.openxmlformats.org/presentationml/2006/main" type="tx" showMasterSp="1" showMasterPhAnim="1">
+<p:sldLayout xmlns:a="http://schemas.openxmlformats.org/drawingml/2006/main" xmlns:r="http://schemas.openxmlformats.org/officeDocument/2006/relationships" xmlns:p="http://schemas.openxmlformats.org/presentationml/2006/main" type="tx">
   <p:cSld name="标题 - 居中">
     <p:spTree>
       <p:nvGrpSpPr>
@@ -1127,7 +1115,7 @@
           <p:cNvPr id="30" name="标题文本"/>
           <p:cNvSpPr txBox="1"/>
           <p:nvPr>
-            <p:ph type="title"/>
+            <p:ph type="title" hasCustomPrompt="1"/>
           </p:nvPr>
         </p:nvSpPr>
         <p:spPr>
@@ -1143,7 +1131,6 @@
           <a:bodyPr/>
           <a:lstStyle/>
           <a:p>
-            <a:pPr/>
             <a:r>
               <a:t>标题文本</a:t>
             </a:r>
@@ -1167,8 +1154,10 @@
           <a:bodyPr/>
           <a:lstStyle/>
           <a:p>
-            <a:pPr/>
-            <a:fld id="{86CB4B4D-7CA3-9044-876B-883B54F8677D}" type="slidenum"/>
+            <a:fld id="{86CB4B4D-7CA3-9044-876B-883B54F8677D}" type="slidenum">
+              <a:rPr/>
+            </a:fld>
+            <a:endParaRPr/>
           </a:p>
         </p:txBody>
       </p:sp>
@@ -1177,12 +1166,12 @@
   <p:clrMapOvr>
     <a:masterClrMapping/>
   </p:clrMapOvr>
-  <p:transition xmlns:p14="http://schemas.microsoft.com/office/powerpoint/2010/main" spd="med" advClick="1"/>
+  <p:transition spd="med"/>
 </p:sldLayout>
 </file>
 
 <file path=ppt/slideLayouts/slideLayout4.xml><?xml version="1.0" encoding="utf-8"?>
-<p:sldLayout xmlns:a="http://schemas.openxmlformats.org/drawingml/2006/main" xmlns:r="http://schemas.openxmlformats.org/officeDocument/2006/relationships" xmlns:p="http://schemas.openxmlformats.org/presentationml/2006/main" type="tx" showMasterSp="1" showMasterPhAnim="1">
+<p:sldLayout xmlns:a="http://schemas.openxmlformats.org/drawingml/2006/main" xmlns:r="http://schemas.openxmlformats.org/officeDocument/2006/relationships" xmlns:p="http://schemas.openxmlformats.org/presentationml/2006/main" type="tx">
   <p:cSld name="照片 - 垂直">
     <p:spTree>
       <p:nvGrpSpPr>
@@ -1220,9 +1209,7 @@
             <a:noAutofit/>
           </a:bodyPr>
           <a:lstStyle/>
-          <a:p>
-            <a:pPr/>
-          </a:p>
+          <a:p/>
         </p:txBody>
       </p:sp>
       <p:sp>
@@ -1230,7 +1217,7 @@
           <p:cNvPr id="39" name="标题文本"/>
           <p:cNvSpPr txBox="1"/>
           <p:nvPr>
-            <p:ph type="title"/>
+            <p:ph type="title" hasCustomPrompt="1"/>
           </p:nvPr>
         </p:nvSpPr>
         <p:spPr>
@@ -1246,7 +1233,6 @@
           <a:bodyPr anchor="b"/>
           <a:lstStyle/>
           <a:p>
-            <a:pPr/>
             <a:r>
               <a:t>标题文本</a:t>
             </a:r>
@@ -1258,7 +1244,7 @@
           <p:cNvPr id="40" name="正文级别 1…"/>
           <p:cNvSpPr txBox="1"/>
           <p:nvPr>
-            <p:ph type="body" sz="quarter" idx="1"/>
+            <p:ph type="body" sz="quarter" idx="1" hasCustomPrompt="1"/>
           </p:nvPr>
         </p:nvSpPr>
         <p:spPr>
@@ -1310,7 +1296,6 @@
             </a:lvl5pPr>
           </a:lstStyle>
           <a:p>
-            <a:pPr/>
             <a:r>
               <a:t>正文级别 1</a:t>
             </a:r>
@@ -1358,8 +1343,10 @@
           <a:bodyPr/>
           <a:lstStyle/>
           <a:p>
-            <a:pPr/>
-            <a:fld id="{86CB4B4D-7CA3-9044-876B-883B54F8677D}" type="slidenum"/>
+            <a:fld id="{86CB4B4D-7CA3-9044-876B-883B54F8677D}" type="slidenum">
+              <a:rPr/>
+            </a:fld>
+            <a:endParaRPr/>
           </a:p>
         </p:txBody>
       </p:sp>
@@ -1368,12 +1355,12 @@
   <p:clrMapOvr>
     <a:masterClrMapping/>
   </p:clrMapOvr>
-  <p:transition xmlns:p14="http://schemas.microsoft.com/office/powerpoint/2010/main" spd="med" advClick="1"/>
+  <p:transition spd="med"/>
 </p:sldLayout>
 </file>
 
 <file path=ppt/slideLayouts/slideLayout5.xml><?xml version="1.0" encoding="utf-8"?>
-<p:sldLayout xmlns:a="http://schemas.openxmlformats.org/drawingml/2006/main" xmlns:r="http://schemas.openxmlformats.org/officeDocument/2006/relationships" xmlns:p="http://schemas.openxmlformats.org/presentationml/2006/main" type="tx" showMasterSp="1" showMasterPhAnim="1">
+<p:sldLayout xmlns:a="http://schemas.openxmlformats.org/drawingml/2006/main" xmlns:r="http://schemas.openxmlformats.org/officeDocument/2006/relationships" xmlns:p="http://schemas.openxmlformats.org/presentationml/2006/main" type="tx">
   <p:cSld name="标题 - 顶部对齐">
     <p:spTree>
       <p:nvGrpSpPr>
@@ -1394,7 +1381,7 @@
           <p:cNvPr id="48" name="标题文本"/>
           <p:cNvSpPr txBox="1"/>
           <p:nvPr>
-            <p:ph type="title"/>
+            <p:ph type="title" hasCustomPrompt="1"/>
           </p:nvPr>
         </p:nvSpPr>
         <p:spPr>
@@ -1406,7 +1393,6 @@
           <a:bodyPr/>
           <a:lstStyle/>
           <a:p>
-            <a:pPr/>
             <a:r>
               <a:t>标题文本</a:t>
             </a:r>
@@ -1430,8 +1416,10 @@
           <a:bodyPr/>
           <a:lstStyle/>
           <a:p>
-            <a:pPr/>
-            <a:fld id="{86CB4B4D-7CA3-9044-876B-883B54F8677D}" type="slidenum"/>
+            <a:fld id="{86CB4B4D-7CA3-9044-876B-883B54F8677D}" type="slidenum">
+              <a:rPr/>
+            </a:fld>
+            <a:endParaRPr/>
           </a:p>
         </p:txBody>
       </p:sp>
@@ -1440,12 +1428,12 @@
   <p:clrMapOvr>
     <a:masterClrMapping/>
   </p:clrMapOvr>
-  <p:transition xmlns:p14="http://schemas.microsoft.com/office/powerpoint/2010/main" spd="med" advClick="1"/>
+  <p:transition spd="med"/>
 </p:sldLayout>
 </file>
 
 <file path=ppt/slideLayouts/slideLayout6.xml><?xml version="1.0" encoding="utf-8"?>
-<p:sldLayout xmlns:a="http://schemas.openxmlformats.org/drawingml/2006/main" xmlns:r="http://schemas.openxmlformats.org/officeDocument/2006/relationships" xmlns:p="http://schemas.openxmlformats.org/presentationml/2006/main" type="tx" showMasterSp="1" showMasterPhAnim="1">
+<p:sldLayout xmlns:a="http://schemas.openxmlformats.org/drawingml/2006/main" xmlns:r="http://schemas.openxmlformats.org/officeDocument/2006/relationships" xmlns:p="http://schemas.openxmlformats.org/presentationml/2006/main" type="tx">
   <p:cSld name="标题与项目符号">
     <p:spTree>
       <p:nvGrpSpPr>
@@ -1466,7 +1454,7 @@
           <p:cNvPr id="56" name="标题文本"/>
           <p:cNvSpPr txBox="1"/>
           <p:nvPr>
-            <p:ph type="title"/>
+            <p:ph type="title" hasCustomPrompt="1"/>
           </p:nvPr>
         </p:nvSpPr>
         <p:spPr>
@@ -1478,7 +1466,6 @@
           <a:bodyPr/>
           <a:lstStyle/>
           <a:p>
-            <a:pPr/>
             <a:r>
               <a:t>标题文本</a:t>
             </a:r>
@@ -1490,7 +1477,7 @@
           <p:cNvPr id="57" name="正文级别 1…"/>
           <p:cNvSpPr txBox="1"/>
           <p:nvPr>
-            <p:ph type="body" idx="1"/>
+            <p:ph type="body" idx="1" hasCustomPrompt="1"/>
           </p:nvPr>
         </p:nvSpPr>
         <p:spPr>
@@ -1548,7 +1535,6 @@
             </a:lvl5pPr>
           </a:lstStyle>
           <a:p>
-            <a:pPr/>
             <a:r>
               <a:t>正文级别 1</a:t>
             </a:r>
@@ -1596,8 +1582,10 @@
           <a:bodyPr/>
           <a:lstStyle/>
           <a:p>
-            <a:pPr/>
-            <a:fld id="{86CB4B4D-7CA3-9044-876B-883B54F8677D}" type="slidenum"/>
+            <a:fld id="{86CB4B4D-7CA3-9044-876B-883B54F8677D}" type="slidenum">
+              <a:rPr/>
+            </a:fld>
+            <a:endParaRPr/>
           </a:p>
         </p:txBody>
       </p:sp>
@@ -1606,12 +1594,12 @@
   <p:clrMapOvr>
     <a:masterClrMapping/>
   </p:clrMapOvr>
-  <p:transition xmlns:p14="http://schemas.microsoft.com/office/powerpoint/2010/main" spd="med" advClick="1"/>
+  <p:transition spd="med"/>
 </p:sldLayout>
 </file>
 
 <file path=ppt/slideLayouts/slideLayout7.xml><?xml version="1.0" encoding="utf-8"?>
-<p:sldLayout xmlns:a="http://schemas.openxmlformats.org/drawingml/2006/main" xmlns:r="http://schemas.openxmlformats.org/officeDocument/2006/relationships" xmlns:p="http://schemas.openxmlformats.org/presentationml/2006/main" type="tx" showMasterSp="1" showMasterPhAnim="1">
+<p:sldLayout xmlns:a="http://schemas.openxmlformats.org/drawingml/2006/main" xmlns:r="http://schemas.openxmlformats.org/officeDocument/2006/relationships" xmlns:p="http://schemas.openxmlformats.org/presentationml/2006/main" type="tx">
   <p:cSld name="标题、项目符号与照片">
     <p:spTree>
       <p:nvGrpSpPr>
@@ -1649,9 +1637,7 @@
             <a:noAutofit/>
           </a:bodyPr>
           <a:lstStyle/>
-          <a:p>
-            <a:pPr/>
-          </a:p>
+          <a:p/>
         </p:txBody>
       </p:sp>
       <p:sp>
@@ -1659,7 +1645,7 @@
           <p:cNvPr id="66" name="标题文本"/>
           <p:cNvSpPr txBox="1"/>
           <p:nvPr>
-            <p:ph type="title"/>
+            <p:ph type="title" hasCustomPrompt="1"/>
           </p:nvPr>
         </p:nvSpPr>
         <p:spPr>
@@ -1671,7 +1657,6 @@
           <a:bodyPr/>
           <a:lstStyle/>
           <a:p>
-            <a:pPr/>
             <a:r>
               <a:t>标题文本</a:t>
             </a:r>
@@ -1683,7 +1668,7 @@
           <p:cNvPr id="67" name="正文级别 1…"/>
           <p:cNvSpPr txBox="1"/>
           <p:nvPr>
-            <p:ph type="body" sz="half" idx="1"/>
+            <p:ph type="body" sz="half" idx="1" hasCustomPrompt="1"/>
           </p:nvPr>
         </p:nvSpPr>
         <p:spPr>
@@ -1699,7 +1684,6 @@
           <a:bodyPr/>
           <a:lstStyle/>
           <a:p>
-            <a:pPr/>
             <a:r>
               <a:t>正文级别 1</a:t>
             </a:r>
@@ -1747,8 +1731,10 @@
           <a:bodyPr/>
           <a:lstStyle/>
           <a:p>
-            <a:pPr/>
-            <a:fld id="{86CB4B4D-7CA3-9044-876B-883B54F8677D}" type="slidenum"/>
+            <a:fld id="{86CB4B4D-7CA3-9044-876B-883B54F8677D}" type="slidenum">
+              <a:rPr/>
+            </a:fld>
+            <a:endParaRPr/>
           </a:p>
         </p:txBody>
       </p:sp>
@@ -1757,12 +1743,12 @@
   <p:clrMapOvr>
     <a:masterClrMapping/>
   </p:clrMapOvr>
-  <p:transition xmlns:p14="http://schemas.microsoft.com/office/powerpoint/2010/main" spd="med" advClick="1"/>
+  <p:transition spd="med"/>
 </p:sldLayout>
 </file>
 
 <file path=ppt/slideLayouts/slideLayout8.xml><?xml version="1.0" encoding="utf-8"?>
-<p:sldLayout xmlns:a="http://schemas.openxmlformats.org/drawingml/2006/main" xmlns:r="http://schemas.openxmlformats.org/officeDocument/2006/relationships" xmlns:p="http://schemas.openxmlformats.org/presentationml/2006/main" type="tx" showMasterSp="1" showMasterPhAnim="1">
+<p:sldLayout xmlns:a="http://schemas.openxmlformats.org/drawingml/2006/main" xmlns:r="http://schemas.openxmlformats.org/officeDocument/2006/relationships" xmlns:p="http://schemas.openxmlformats.org/presentationml/2006/main" type="tx">
   <p:cSld name="项目符号">
     <p:spTree>
       <p:nvGrpSpPr>
@@ -1783,7 +1769,7 @@
           <p:cNvPr id="75" name="正文级别 1…"/>
           <p:cNvSpPr txBox="1"/>
           <p:nvPr>
-            <p:ph type="body" idx="1"/>
+            <p:ph type="body" idx="1" hasCustomPrompt="1"/>
           </p:nvPr>
         </p:nvSpPr>
         <p:spPr>
@@ -1845,7 +1831,6 @@
             </a:lvl5pPr>
           </a:lstStyle>
           <a:p>
-            <a:pPr/>
             <a:r>
               <a:t>正文级别 1</a:t>
             </a:r>
@@ -1893,8 +1878,10 @@
           <a:bodyPr/>
           <a:lstStyle/>
           <a:p>
-            <a:pPr/>
-            <a:fld id="{86CB4B4D-7CA3-9044-876B-883B54F8677D}" type="slidenum"/>
+            <a:fld id="{86CB4B4D-7CA3-9044-876B-883B54F8677D}" type="slidenum">
+              <a:rPr/>
+            </a:fld>
+            <a:endParaRPr/>
           </a:p>
         </p:txBody>
       </p:sp>
@@ -1903,12 +1890,12 @@
   <p:clrMapOvr>
     <a:masterClrMapping/>
   </p:clrMapOvr>
-  <p:transition xmlns:p14="http://schemas.microsoft.com/office/powerpoint/2010/main" spd="med" advClick="1"/>
+  <p:transition spd="med"/>
 </p:sldLayout>
 </file>
 
 <file path=ppt/slideLayouts/slideLayout9.xml><?xml version="1.0" encoding="utf-8"?>
-<p:sldLayout xmlns:a="http://schemas.openxmlformats.org/drawingml/2006/main" xmlns:r="http://schemas.openxmlformats.org/officeDocument/2006/relationships" xmlns:p="http://schemas.openxmlformats.org/presentationml/2006/main" type="tx" showMasterSp="1" showMasterPhAnim="1">
+<p:sldLayout xmlns:a="http://schemas.openxmlformats.org/drawingml/2006/main" xmlns:r="http://schemas.openxmlformats.org/officeDocument/2006/relationships" xmlns:p="http://schemas.openxmlformats.org/presentationml/2006/main" type="tx">
   <p:cSld name="照片 - 3 联">
     <p:spTree>
       <p:nvGrpSpPr>
@@ -1946,9 +1933,7 @@
             <a:noAutofit/>
           </a:bodyPr>
           <a:lstStyle/>
-          <a:p>
-            <a:pPr/>
-          </a:p>
+          <a:p/>
         </p:txBody>
       </p:sp>
       <p:sp>
@@ -1973,9 +1958,7 @@
             <a:noAutofit/>
           </a:bodyPr>
           <a:lstStyle/>
-          <a:p>
-            <a:pPr/>
-          </a:p>
+          <a:p/>
         </p:txBody>
       </p:sp>
       <p:sp>
@@ -2000,9 +1983,7 @@
             <a:noAutofit/>
           </a:bodyPr>
           <a:lstStyle/>
-          <a:p>
-            <a:pPr/>
-          </a:p>
+          <a:p/>
         </p:txBody>
       </p:sp>
       <p:sp>
@@ -2022,8 +2003,10 @@
           <a:bodyPr/>
           <a:lstStyle/>
           <a:p>
-            <a:pPr/>
-            <a:fld id="{86CB4B4D-7CA3-9044-876B-883B54F8677D}" type="slidenum"/>
+            <a:fld id="{86CB4B4D-7CA3-9044-876B-883B54F8677D}" type="slidenum">
+              <a:rPr/>
+            </a:fld>
+            <a:endParaRPr/>
           </a:p>
         </p:txBody>
       </p:sp>
@@ -2032,7 +2015,7 @@
   <p:clrMapOvr>
     <a:masterClrMapping/>
   </p:clrMapOvr>
-  <p:transition xmlns:p14="http://schemas.microsoft.com/office/powerpoint/2010/main" spd="med" advClick="1"/>
+  <p:transition spd="med"/>
 </p:sldLayout>
 </file>
 
@@ -2042,12 +2025,13 @@
     <p:bg>
       <p:bgPr>
         <a:blipFill rotWithShape="1">
-          <a:blip r:embed="rId2"/>
-          <a:srcRect l="0" t="0" r="0" b="0"/>
+          <a:blip r:embed="rId13"/>
+          <a:srcRect/>
           <a:stretch>
             <a:fillRect/>
           </a:stretch>
         </a:blipFill>
+        <a:effectLst/>
       </p:bgPr>
     </p:bg>
     <p:spTree>
@@ -2083,19 +2067,13 @@
           <a:ln w="12700">
             <a:miter lim="400000"/>
           </a:ln>
-          <a:extLst>
-            <a:ext uri="{C572A759-6A51-4108-AA02-DFA0A04FC94B}">
-              <ma14:wrappingTextBoxFlag xmlns:ma14="http://schemas.microsoft.com/office/mac/drawingml/2011/main" val="1"/>
-            </a:ext>
-          </a:extLst>
         </p:spPr>
         <p:txBody>
           <a:bodyPr lIns="50800" tIns="50800" rIns="50800" bIns="50800" anchor="ctr">
-            <a:normAutofit fontScale="100000" lnSpcReduction="0"/>
+            <a:normAutofit/>
           </a:bodyPr>
           <a:lstStyle/>
           <a:p>
-            <a:pPr/>
             <a:r>
               <a:t>标题文本</a:t>
             </a:r>
@@ -2121,19 +2099,13 @@
           <a:ln w="12700">
             <a:miter lim="400000"/>
           </a:ln>
-          <a:extLst>
-            <a:ext uri="{C572A759-6A51-4108-AA02-DFA0A04FC94B}">
-              <ma14:wrappingTextBoxFlag xmlns:ma14="http://schemas.microsoft.com/office/mac/drawingml/2011/main" val="1"/>
-            </a:ext>
-          </a:extLst>
         </p:spPr>
         <p:txBody>
           <a:bodyPr lIns="50800" tIns="50800" rIns="50800" bIns="50800" anchor="ctr">
-            <a:normAutofit fontScale="100000" lnSpcReduction="0"/>
+            <a:normAutofit/>
           </a:bodyPr>
           <a:lstStyle/>
           <a:p>
-            <a:pPr/>
             <a:r>
               <a:t>正文级别 1</a:t>
             </a:r>
@@ -2194,8 +2166,10 @@
             </a:lvl1pPr>
           </a:lstStyle>
           <a:p>
-            <a:pPr/>
-            <a:fld id="{86CB4B4D-7CA3-9044-876B-883B54F8677D}" type="slidenum"/>
+            <a:fld id="{86CB4B4D-7CA3-9044-876B-883B54F8677D}" type="slidenum">
+              <a:rPr/>
+            </a:fld>
+            <a:endParaRPr/>
           </a:p>
         </p:txBody>
       </p:sp>
@@ -2203,20 +2177,20 @@
   </p:cSld>
   <p:clrMap bg1="lt1" tx1="dk1" bg2="lt2" tx2="dk2" accent1="accent1" accent2="accent2" accent3="accent3" accent4="accent4" accent5="accent5" accent6="accent6" hlink="hlink" folHlink="folHlink"/>
   <p:sldLayoutIdLst>
-    <p:sldLayoutId id="2147483649" r:id="rId3"/>
-    <p:sldLayoutId id="2147483650" r:id="rId4"/>
-    <p:sldLayoutId id="2147483651" r:id="rId5"/>
-    <p:sldLayoutId id="2147483652" r:id="rId6"/>
-    <p:sldLayoutId id="2147483653" r:id="rId7"/>
-    <p:sldLayoutId id="2147483654" r:id="rId8"/>
-    <p:sldLayoutId id="2147483655" r:id="rId9"/>
-    <p:sldLayoutId id="2147483656" r:id="rId10"/>
-    <p:sldLayoutId id="2147483657" r:id="rId11"/>
-    <p:sldLayoutId id="2147483658" r:id="rId12"/>
-    <p:sldLayoutId id="2147483659" r:id="rId13"/>
-    <p:sldLayoutId id="2147483660" r:id="rId14"/>
+    <p:sldLayoutId id="2147483649" r:id="rId1"/>
+    <p:sldLayoutId id="2147483650" r:id="rId2"/>
+    <p:sldLayoutId id="2147483651" r:id="rId3"/>
+    <p:sldLayoutId id="2147483652" r:id="rId4"/>
+    <p:sldLayoutId id="2147483653" r:id="rId5"/>
+    <p:sldLayoutId id="2147483654" r:id="rId6"/>
+    <p:sldLayoutId id="2147483655" r:id="rId7"/>
+    <p:sldLayoutId id="2147483656" r:id="rId8"/>
+    <p:sldLayoutId id="2147483657" r:id="rId9"/>
+    <p:sldLayoutId id="2147483658" r:id="rId10"/>
+    <p:sldLayoutId id="2147483659" r:id="rId11"/>
+    <p:sldLayoutId id="2147483660" r:id="rId12"/>
   </p:sldLayoutIdLst>
-  <p:transition xmlns:p14="http://schemas.microsoft.com/office/powerpoint/2010/main" spd="med" advClick="1"/>
+  <p:transition spd="med"/>
   <p:txStyles>
     <p:titleStyle>
       <a:lvl1pPr marL="0" marR="0" indent="0" algn="ctr" defTabSz="584200" rtl="0" latinLnBrk="0">
@@ -2233,8 +2207,7 @@
         <a:buSzTx/>
         <a:buFontTx/>
         <a:buNone/>
-        <a:tabLst/>
-        <a:defRPr b="0" baseline="0" cap="all" i="0" spc="0" strike="noStrike" sz="7200" u="none">
+        <a:defRPr sz="7200" b="0" i="0" u="none" strike="noStrike" cap="all" spc="0" baseline="0">
           <a:ln>
             <a:noFill/>
           </a:ln>
@@ -2262,8 +2235,7 @@
         <a:buSzTx/>
         <a:buFontTx/>
         <a:buNone/>
-        <a:tabLst/>
-        <a:defRPr b="0" baseline="0" cap="all" i="0" spc="0" strike="noStrike" sz="7200" u="none">
+        <a:defRPr sz="7200" b="0" i="0" u="none" strike="noStrike" cap="all" spc="0" baseline="0">
           <a:ln>
             <a:noFill/>
           </a:ln>
@@ -2291,8 +2263,7 @@
         <a:buSzTx/>
         <a:buFontTx/>
         <a:buNone/>
-        <a:tabLst/>
-        <a:defRPr b="0" baseline="0" cap="all" i="0" spc="0" strike="noStrike" sz="7200" u="none">
+        <a:defRPr sz="7200" b="0" i="0" u="none" strike="noStrike" cap="all" spc="0" baseline="0">
           <a:ln>
             <a:noFill/>
           </a:ln>
@@ -2320,8 +2291,7 @@
         <a:buSzTx/>
         <a:buFontTx/>
         <a:buNone/>
-        <a:tabLst/>
-        <a:defRPr b="0" baseline="0" cap="all" i="0" spc="0" strike="noStrike" sz="7200" u="none">
+        <a:defRPr sz="7200" b="0" i="0" u="none" strike="noStrike" cap="all" spc="0" baseline="0">
           <a:ln>
             <a:noFill/>
           </a:ln>
@@ -2349,8 +2319,7 @@
         <a:buSzTx/>
         <a:buFontTx/>
         <a:buNone/>
-        <a:tabLst/>
-        <a:defRPr b="0" baseline="0" cap="all" i="0" spc="0" strike="noStrike" sz="7200" u="none">
+        <a:defRPr sz="7200" b="0" i="0" u="none" strike="noStrike" cap="all" spc="0" baseline="0">
           <a:ln>
             <a:noFill/>
           </a:ln>
@@ -2378,8 +2347,7 @@
         <a:buSzTx/>
         <a:buFontTx/>
         <a:buNone/>
-        <a:tabLst/>
-        <a:defRPr b="0" baseline="0" cap="all" i="0" spc="0" strike="noStrike" sz="7200" u="none">
+        <a:defRPr sz="7200" b="0" i="0" u="none" strike="noStrike" cap="all" spc="0" baseline="0">
           <a:ln>
             <a:noFill/>
           </a:ln>
@@ -2407,8 +2375,7 @@
         <a:buSzTx/>
         <a:buFontTx/>
         <a:buNone/>
-        <a:tabLst/>
-        <a:defRPr b="0" baseline="0" cap="all" i="0" spc="0" strike="noStrike" sz="7200" u="none">
+        <a:defRPr sz="7200" b="0" i="0" u="none" strike="noStrike" cap="all" spc="0" baseline="0">
           <a:ln>
             <a:noFill/>
           </a:ln>
@@ -2436,8 +2403,7 @@
         <a:buSzTx/>
         <a:buFontTx/>
         <a:buNone/>
-        <a:tabLst/>
-        <a:defRPr b="0" baseline="0" cap="all" i="0" spc="0" strike="noStrike" sz="7200" u="none">
+        <a:defRPr sz="7200" b="0" i="0" u="none" strike="noStrike" cap="all" spc="0" baseline="0">
           <a:ln>
             <a:noFill/>
           </a:ln>
@@ -2465,8 +2431,7 @@
         <a:buSzTx/>
         <a:buFontTx/>
         <a:buNone/>
-        <a:tabLst/>
-        <a:defRPr b="0" baseline="0" cap="all" i="0" spc="0" strike="noStrike" sz="7200" u="none">
+        <a:defRPr sz="7200" b="0" i="0" u="none" strike="noStrike" cap="all" spc="0" baseline="0">
           <a:ln>
             <a:noFill/>
           </a:ln>
@@ -2496,8 +2461,7 @@
         <a:buSzPct val="82000"/>
         <a:buFontTx/>
         <a:buChar char="•"/>
-        <a:tabLst/>
-        <a:defRPr b="0" baseline="0" cap="none" i="0" spc="0" strike="noStrike" sz="3800" u="none">
+        <a:defRPr sz="3800" b="0" i="0" u="none" strike="noStrike" cap="none" spc="0" baseline="0">
           <a:ln>
             <a:noFill/>
           </a:ln>
@@ -2525,8 +2489,7 @@
         <a:buSzPct val="82000"/>
         <a:buFontTx/>
         <a:buChar char="•"/>
-        <a:tabLst/>
-        <a:defRPr b="0" baseline="0" cap="none" i="0" spc="0" strike="noStrike" sz="3800" u="none">
+        <a:defRPr sz="3800" b="0" i="0" u="none" strike="noStrike" cap="none" spc="0" baseline="0">
           <a:ln>
             <a:noFill/>
           </a:ln>
@@ -2554,8 +2517,7 @@
         <a:buSzPct val="82000"/>
         <a:buFontTx/>
         <a:buChar char="•"/>
-        <a:tabLst/>
-        <a:defRPr b="0" baseline="0" cap="none" i="0" spc="0" strike="noStrike" sz="3800" u="none">
+        <a:defRPr sz="3800" b="0" i="0" u="none" strike="noStrike" cap="none" spc="0" baseline="0">
           <a:ln>
             <a:noFill/>
           </a:ln>
@@ -2583,8 +2545,7 @@
         <a:buSzPct val="82000"/>
         <a:buFontTx/>
         <a:buChar char="•"/>
-        <a:tabLst/>
-        <a:defRPr b="0" baseline="0" cap="none" i="0" spc="0" strike="noStrike" sz="3800" u="none">
+        <a:defRPr sz="3800" b="0" i="0" u="none" strike="noStrike" cap="none" spc="0" baseline="0">
           <a:ln>
             <a:noFill/>
           </a:ln>
@@ -2612,8 +2573,7 @@
         <a:buSzPct val="82000"/>
         <a:buFontTx/>
         <a:buChar char="•"/>
-        <a:tabLst/>
-        <a:defRPr b="0" baseline="0" cap="none" i="0" spc="0" strike="noStrike" sz="3800" u="none">
+        <a:defRPr sz="3800" b="0" i="0" u="none" strike="noStrike" cap="none" spc="0" baseline="0">
           <a:ln>
             <a:noFill/>
           </a:ln>
@@ -2641,8 +2601,7 @@
         <a:buSzPct val="82000"/>
         <a:buFontTx/>
         <a:buChar char="•"/>
-        <a:tabLst/>
-        <a:defRPr b="0" baseline="0" cap="none" i="0" spc="0" strike="noStrike" sz="3800" u="none">
+        <a:defRPr sz="3800" b="0" i="0" u="none" strike="noStrike" cap="none" spc="0" baseline="0">
           <a:ln>
             <a:noFill/>
           </a:ln>
@@ -2670,8 +2629,7 @@
         <a:buSzPct val="82000"/>
         <a:buFontTx/>
         <a:buChar char="•"/>
-        <a:tabLst/>
-        <a:defRPr b="0" baseline="0" cap="none" i="0" spc="0" strike="noStrike" sz="3800" u="none">
+        <a:defRPr sz="3800" b="0" i="0" u="none" strike="noStrike" cap="none" spc="0" baseline="0">
           <a:ln>
             <a:noFill/>
           </a:ln>
@@ -2699,8 +2657,7 @@
         <a:buSzPct val="82000"/>
         <a:buFontTx/>
         <a:buChar char="•"/>
-        <a:tabLst/>
-        <a:defRPr b="0" baseline="0" cap="none" i="0" spc="0" strike="noStrike" sz="3800" u="none">
+        <a:defRPr sz="3800" b="0" i="0" u="none" strike="noStrike" cap="none" spc="0" baseline="0">
           <a:ln>
             <a:noFill/>
           </a:ln>
@@ -2728,8 +2685,7 @@
         <a:buSzPct val="82000"/>
         <a:buFontTx/>
         <a:buChar char="•"/>
-        <a:tabLst/>
-        <a:defRPr b="0" baseline="0" cap="none" i="0" spc="0" strike="noStrike" sz="3800" u="none">
+        <a:defRPr sz="3800" b="0" i="0" u="none" strike="noStrike" cap="none" spc="0" baseline="0">
           <a:ln>
             <a:noFill/>
           </a:ln>
@@ -2759,8 +2715,7 @@
         <a:buSzTx/>
         <a:buFontTx/>
         <a:buNone/>
-        <a:tabLst/>
-        <a:defRPr b="0" baseline="0" cap="none" i="0" spc="0" strike="noStrike" sz="1800" u="none">
+        <a:defRPr sz="1800" b="0" i="0" u="none" strike="noStrike" cap="none" spc="0" baseline="0">
           <a:ln>
             <a:noFill/>
           </a:ln>
@@ -2788,8 +2743,7 @@
         <a:buSzTx/>
         <a:buFontTx/>
         <a:buNone/>
-        <a:tabLst/>
-        <a:defRPr b="0" baseline="0" cap="none" i="0" spc="0" strike="noStrike" sz="1800" u="none">
+        <a:defRPr sz="1800" b="0" i="0" u="none" strike="noStrike" cap="none" spc="0" baseline="0">
           <a:ln>
             <a:noFill/>
           </a:ln>
@@ -2817,8 +2771,7 @@
         <a:buSzTx/>
         <a:buFontTx/>
         <a:buNone/>
-        <a:tabLst/>
-        <a:defRPr b="0" baseline="0" cap="none" i="0" spc="0" strike="noStrike" sz="1800" u="none">
+        <a:defRPr sz="1800" b="0" i="0" u="none" strike="noStrike" cap="none" spc="0" baseline="0">
           <a:ln>
             <a:noFill/>
           </a:ln>
@@ -2846,8 +2799,7 @@
         <a:buSzTx/>
         <a:buFontTx/>
         <a:buNone/>
-        <a:tabLst/>
-        <a:defRPr b="0" baseline="0" cap="none" i="0" spc="0" strike="noStrike" sz="1800" u="none">
+        <a:defRPr sz="1800" b="0" i="0" u="none" strike="noStrike" cap="none" spc="0" baseline="0">
           <a:ln>
             <a:noFill/>
           </a:ln>
@@ -2875,8 +2827,7 @@
         <a:buSzTx/>
         <a:buFontTx/>
         <a:buNone/>
-        <a:tabLst/>
-        <a:defRPr b="0" baseline="0" cap="none" i="0" spc="0" strike="noStrike" sz="1800" u="none">
+        <a:defRPr sz="1800" b="0" i="0" u="none" strike="noStrike" cap="none" spc="0" baseline="0">
           <a:ln>
             <a:noFill/>
           </a:ln>
@@ -2904,8 +2855,7 @@
         <a:buSzTx/>
         <a:buFontTx/>
         <a:buNone/>
-        <a:tabLst/>
-        <a:defRPr b="0" baseline="0" cap="none" i="0" spc="0" strike="noStrike" sz="1800" u="none">
+        <a:defRPr sz="1800" b="0" i="0" u="none" strike="noStrike" cap="none" spc="0" baseline="0">
           <a:ln>
             <a:noFill/>
           </a:ln>
@@ -2933,8 +2883,7 @@
         <a:buSzTx/>
         <a:buFontTx/>
         <a:buNone/>
-        <a:tabLst/>
-        <a:defRPr b="0" baseline="0" cap="none" i="0" spc="0" strike="noStrike" sz="1800" u="none">
+        <a:defRPr sz="1800" b="0" i="0" u="none" strike="noStrike" cap="none" spc="0" baseline="0">
           <a:ln>
             <a:noFill/>
           </a:ln>
@@ -2962,8 +2911,7 @@
         <a:buSzTx/>
         <a:buFontTx/>
         <a:buNone/>
-        <a:tabLst/>
-        <a:defRPr b="0" baseline="0" cap="none" i="0" spc="0" strike="noStrike" sz="1800" u="none">
+        <a:defRPr sz="1800" b="0" i="0" u="none" strike="noStrike" cap="none" spc="0" baseline="0">
           <a:ln>
             <a:noFill/>
           </a:ln>
@@ -2991,8 +2939,7 @@
         <a:buSzTx/>
         <a:buFontTx/>
         <a:buNone/>
-        <a:tabLst/>
-        <a:defRPr b="0" baseline="0" cap="none" i="0" spc="0" strike="noStrike" sz="1800" u="none">
+        <a:defRPr sz="1800" b="0" i="0" u="none" strike="noStrike" cap="none" spc="0" baseline="0">
           <a:ln>
             <a:noFill/>
           </a:ln>
@@ -3012,7 +2959,7 @@
 </file>
 
 <file path=ppt/slides/slide1.xml><?xml version="1.0" encoding="utf-8"?>
-<p:sld xmlns:a="http://schemas.openxmlformats.org/drawingml/2006/main" xmlns:r="http://schemas.openxmlformats.org/officeDocument/2006/relationships" xmlns:p="http://schemas.openxmlformats.org/presentationml/2006/main" showMasterSp="1" showMasterPhAnim="1">
+<p:sld xmlns:a="http://schemas.openxmlformats.org/drawingml/2006/main" xmlns:r="http://schemas.openxmlformats.org/officeDocument/2006/relationships" xmlns:p="http://schemas.openxmlformats.org/presentationml/2006/main">
   <p:cSld>
     <p:spTree>
       <p:nvGrpSpPr>
@@ -3049,7 +2996,6 @@
           <a:bodyPr/>
           <a:lstStyle/>
           <a:p>
-            <a:pPr/>
             <a:r>
               <a:t>小程序</a:t>
             </a:r>
@@ -3077,7 +3023,6 @@
           <a:bodyPr/>
           <a:lstStyle/>
           <a:p>
-            <a:pPr/>
             <a:r>
               <a:t>陈铭嘉</a:t>
             </a:r>
@@ -3089,12 +3034,12 @@
   <p:clrMapOvr>
     <a:masterClrMapping/>
   </p:clrMapOvr>
-  <p:transition xmlns:p14="http://schemas.microsoft.com/office/powerpoint/2010/main" spd="med" advClick="1"/>
+  <p:transition spd="med"/>
 </p:sld>
 </file>
 
 <file path=ppt/slides/slide10.xml><?xml version="1.0" encoding="utf-8"?>
-<p:sld xmlns:a="http://schemas.openxmlformats.org/drawingml/2006/main" xmlns:r="http://schemas.openxmlformats.org/officeDocument/2006/relationships" xmlns:p="http://schemas.openxmlformats.org/presentationml/2006/main" showMasterSp="1" showMasterPhAnim="1">
+<p:sld xmlns:a="http://schemas.openxmlformats.org/drawingml/2006/main" xmlns:r="http://schemas.openxmlformats.org/officeDocument/2006/relationships" xmlns:p="http://schemas.openxmlformats.org/presentationml/2006/main">
   <p:cSld>
     <p:spTree>
       <p:nvGrpSpPr>
@@ -3112,13 +3057,17 @@
       </p:grpSpPr>
       <p:sp>
         <p:nvSpPr>
-          <p:cNvPr id="147" name="Chameleon"/>
+          <p:cNvPr id="143" name="Chameleon"/>
           <p:cNvSpPr txBox="1"/>
           <p:nvPr>
             <p:ph type="title"/>
           </p:nvPr>
         </p:nvSpPr>
         <p:spPr>
+          <a:xfrm>
+            <a:off x="241300" y="76200"/>
+            <a:ext cx="12293600" cy="2438400"/>
+          </a:xfrm>
           <a:prstGeom prst="rect">
             <a:avLst/>
           </a:prstGeom>
@@ -3127,65 +3076,51 @@
           <a:bodyPr/>
           <a:lstStyle/>
           <a:p>
-            <a:pPr/>
             <a:r>
               <a:t>Chameleon</a:t>
-            </a:r>
-          </a:p>
-        </p:txBody>
-      </p:sp>
-      <p:sp>
-        <p:nvSpPr>
-          <p:cNvPr id="148" name="hook 映射（适配器模式-多端兼容）"/>
-          <p:cNvSpPr txBox="1"/>
-          <p:nvPr>
-            <p:ph type="body" sz="half" idx="1"/>
-          </p:nvPr>
-        </p:nvSpPr>
-        <p:spPr>
-          <a:xfrm>
-            <a:off x="825500" y="2349500"/>
-            <a:ext cx="6348165" cy="6299200"/>
-          </a:xfrm>
-          <a:prstGeom prst="rect">
-            <a:avLst/>
-          </a:prstGeom>
-        </p:spPr>
-        <p:txBody>
-          <a:bodyPr/>
-          <a:lstStyle>
-            <a:lvl1pPr marL="520700" indent="-520700">
-              <a:defRPr sz="3600"/>
-            </a:lvl1pPr>
-          </a:lstStyle>
-          <a:p>
-            <a:pPr/>
-            <a:r>
-              <a:t>hook 映射（适配器模式-多端兼容）</a:t>
             </a:r>
           </a:p>
         </p:txBody>
       </p:sp>
       <p:pic>
         <p:nvPicPr>
-          <p:cNvPr id="149" name="pasted-image.tiff" descr="pasted-image.tiff"/>
+          <p:cNvPr id="144" name="pasted-image.tiff" descr="pasted-image.tiff"/>
           <p:cNvPicPr>
             <a:picLocks noChangeAspect="1"/>
           </p:cNvPicPr>
           <p:nvPr/>
         </p:nvPicPr>
         <p:blipFill>
-          <a:blip r:embed="rId2">
-            <a:extLst/>
-          </a:blip>
+          <a:blip r:embed="rId1"/>
           <a:stretch>
             <a:fillRect/>
           </a:stretch>
         </p:blipFill>
         <p:spPr>
           <a:xfrm>
-            <a:off x="7612377" y="2616200"/>
-            <a:ext cx="4192844" cy="6299200"/>
+            <a:off x="4260892" y="2862427"/>
+            <a:ext cx="7956508" cy="6035346"/>
+          </a:xfrm>
+          <a:prstGeom prst="rect">
+            <a:avLst/>
+          </a:prstGeom>
+          <a:ln w="12700">
+            <a:miter lim="400000"/>
+            <a:headEnd/>
+            <a:tailEnd/>
+          </a:ln>
+        </p:spPr>
+      </p:pic>
+      <p:sp>
+        <p:nvSpPr>
+          <p:cNvPr id="145" name="Vue 层语法编译"/>
+          <p:cNvSpPr txBox="1"/>
+          <p:nvPr/>
+        </p:nvSpPr>
+        <p:spPr>
+          <a:xfrm>
+            <a:off x="483579" y="3657600"/>
+            <a:ext cx="3223842" cy="736601"/>
           </a:xfrm>
           <a:prstGeom prst="rect">
             <a:avLst/>
@@ -3194,18 +3129,29 @@
             <a:miter lim="400000"/>
           </a:ln>
         </p:spPr>
-      </p:pic>
+        <p:txBody>
+          <a:bodyPr wrap="none" lIns="50800" tIns="50800" rIns="50800" bIns="50800" anchor="ctr">
+            <a:spAutoFit/>
+          </a:bodyPr>
+          <a:lstStyle/>
+          <a:p>
+            <a:r>
+              <a:t>Vue 层语法编译</a:t>
+            </a:r>
+          </a:p>
+        </p:txBody>
+      </p:sp>
     </p:spTree>
   </p:cSld>
   <p:clrMapOvr>
     <a:masterClrMapping/>
   </p:clrMapOvr>
-  <p:transition xmlns:p14="http://schemas.microsoft.com/office/powerpoint/2010/main" spd="med" advClick="1"/>
+  <p:transition spd="med"/>
 </p:sld>
 </file>
 
 <file path=ppt/slides/slide11.xml><?xml version="1.0" encoding="utf-8"?>
-<p:sld xmlns:a="http://schemas.openxmlformats.org/drawingml/2006/main" xmlns:r="http://schemas.openxmlformats.org/officeDocument/2006/relationships" xmlns:p="http://schemas.openxmlformats.org/presentationml/2006/main" showMasterSp="1" showMasterPhAnim="1">
+<p:sld xmlns:a="http://schemas.openxmlformats.org/drawingml/2006/main" xmlns:r="http://schemas.openxmlformats.org/officeDocument/2006/relationships" xmlns:p="http://schemas.openxmlformats.org/presentationml/2006/main">
   <p:cSld>
     <p:spTree>
       <p:nvGrpSpPr>
@@ -3223,17 +3169,13 @@
       </p:grpSpPr>
       <p:sp>
         <p:nvSpPr>
-          <p:cNvPr id="151" name="Chameleon"/>
+          <p:cNvPr id="147" name="Chameleon"/>
           <p:cNvSpPr txBox="1"/>
           <p:nvPr>
             <p:ph type="title"/>
           </p:nvPr>
         </p:nvSpPr>
         <p:spPr>
-          <a:xfrm>
-            <a:off x="355600" y="-139700"/>
-            <a:ext cx="12293600" cy="2438400"/>
-          </a:xfrm>
           <a:prstGeom prst="rect">
             <a:avLst/>
           </a:prstGeom>
@@ -3242,194 +3184,83 @@
           <a:bodyPr/>
           <a:lstStyle/>
           <a:p>
-            <a:pPr/>
             <a:r>
               <a:t>Chameleon</a:t>
+            </a:r>
+          </a:p>
+        </p:txBody>
+      </p:sp>
+      <p:sp>
+        <p:nvSpPr>
+          <p:cNvPr id="148" name="hook 映射（适配器模式-多端兼容）"/>
+          <p:cNvSpPr txBox="1"/>
+          <p:nvPr>
+            <p:ph type="body" sz="half" idx="1"/>
+          </p:nvPr>
+        </p:nvSpPr>
+        <p:spPr>
+          <a:xfrm>
+            <a:off x="825500" y="2349500"/>
+            <a:ext cx="6348165" cy="6299200"/>
+          </a:xfrm>
+          <a:prstGeom prst="rect">
+            <a:avLst/>
+          </a:prstGeom>
+        </p:spPr>
+        <p:txBody>
+          <a:bodyPr/>
+          <a:lstStyle>
+            <a:lvl1pPr marL="520700" indent="-520700">
+              <a:defRPr sz="3600"/>
+            </a:lvl1pPr>
+          </a:lstStyle>
+          <a:p>
+            <a:r>
+              <a:t>hook 映射（适配器模式-多端兼容）</a:t>
             </a:r>
           </a:p>
         </p:txBody>
       </p:sp>
       <p:pic>
         <p:nvPicPr>
-          <p:cNvPr id="152" name="pasted-image.tiff" descr="pasted-image.tiff"/>
+          <p:cNvPr id="149" name="pasted-image.tiff" descr="pasted-image.tiff"/>
           <p:cNvPicPr>
             <a:picLocks noChangeAspect="1"/>
           </p:cNvPicPr>
           <p:nvPr/>
         </p:nvPicPr>
         <p:blipFill>
-          <a:blip r:embed="rId2">
-            <a:extLst/>
-          </a:blip>
+          <a:blip r:embed="rId1"/>
           <a:stretch>
             <a:fillRect/>
           </a:stretch>
         </p:blipFill>
         <p:spPr>
           <a:xfrm>
-            <a:off x="6278684" y="3480047"/>
-            <a:ext cx="6484816" cy="5663953"/>
+            <a:off x="7612377" y="2616200"/>
+            <a:ext cx="4192844" cy="6299200"/>
           </a:xfrm>
           <a:prstGeom prst="rect">
             <a:avLst/>
           </a:prstGeom>
           <a:ln w="12700">
             <a:miter lim="400000"/>
+            <a:headEnd/>
+            <a:tailEnd/>
           </a:ln>
         </p:spPr>
       </p:pic>
-      <p:sp>
-        <p:nvSpPr>
-          <p:cNvPr id="153" name="双向绑定-属性映射"/>
-          <p:cNvSpPr txBox="1"/>
-          <p:nvPr/>
-        </p:nvSpPr>
-        <p:spPr>
-          <a:xfrm>
-            <a:off x="7199200" y="2200073"/>
-            <a:ext cx="3915000" cy="736601"/>
-          </a:xfrm>
-          <a:prstGeom prst="rect">
-            <a:avLst/>
-          </a:prstGeom>
-          <a:ln w="12700">
-            <a:miter lim="400000"/>
-          </a:ln>
-          <a:extLst>
-            <a:ext uri="{C572A759-6A51-4108-AA02-DFA0A04FC94B}">
-              <ma14:wrappingTextBoxFlag xmlns:ma14="http://schemas.microsoft.com/office/mac/drawingml/2011/main" val="1"/>
-            </a:ext>
-          </a:extLst>
-        </p:spPr>
-        <p:txBody>
-          <a:bodyPr wrap="none" lIns="50800" tIns="50800" rIns="50800" bIns="50800" anchor="ctr">
-            <a:spAutoFit/>
-          </a:bodyPr>
-          <a:lstStyle/>
-          <a:p>
-            <a:pPr/>
-            <a:r>
-              <a:t>双向绑定-属性映射</a:t>
-            </a:r>
-          </a:p>
-        </p:txBody>
-      </p:sp>
-      <p:sp>
-        <p:nvSpPr>
-          <p:cNvPr id="154" name="Diff 算法"/>
-          <p:cNvSpPr txBox="1"/>
-          <p:nvPr/>
-        </p:nvSpPr>
-        <p:spPr>
-          <a:xfrm>
-            <a:off x="2008410" y="2200073"/>
-            <a:ext cx="1799780" cy="736601"/>
-          </a:xfrm>
-          <a:prstGeom prst="rect">
-            <a:avLst/>
-          </a:prstGeom>
-          <a:ln w="12700">
-            <a:miter lim="400000"/>
-          </a:ln>
-          <a:extLst>
-            <a:ext uri="{C572A759-6A51-4108-AA02-DFA0A04FC94B}">
-              <ma14:wrappingTextBoxFlag xmlns:ma14="http://schemas.microsoft.com/office/mac/drawingml/2011/main" val="1"/>
-            </a:ext>
-          </a:extLst>
-        </p:spPr>
-        <p:txBody>
-          <a:bodyPr wrap="none" lIns="50800" tIns="50800" rIns="50800" bIns="50800" anchor="ctr">
-            <a:spAutoFit/>
-          </a:bodyPr>
-          <a:lstStyle/>
-          <a:p>
-            <a:pPr/>
-            <a:r>
-              <a:t>Diff 算法</a:t>
-            </a:r>
-          </a:p>
-        </p:txBody>
-      </p:sp>
-      <p:pic>
-        <p:nvPicPr>
-          <p:cNvPr id="155" name="pasted-image.tiff" descr="pasted-image.tiff"/>
-          <p:cNvPicPr>
-            <a:picLocks noChangeAspect="1"/>
-          </p:cNvPicPr>
-          <p:nvPr/>
-        </p:nvPicPr>
-        <p:blipFill>
-          <a:blip r:embed="rId3">
-            <a:extLst/>
-          </a:blip>
-          <a:stretch>
-            <a:fillRect/>
-          </a:stretch>
-        </p:blipFill>
-        <p:spPr>
-          <a:xfrm>
-            <a:off x="384761" y="3908874"/>
-            <a:ext cx="5047078" cy="4806300"/>
-          </a:xfrm>
-          <a:prstGeom prst="rect">
-            <a:avLst/>
-          </a:prstGeom>
-          <a:ln w="12700">
-            <a:miter lim="400000"/>
-          </a:ln>
-        </p:spPr>
-      </p:pic>
-      <p:sp>
-        <p:nvSpPr>
-          <p:cNvPr id="156" name="基于深度遍历，而非patch"/>
-          <p:cNvSpPr txBox="1"/>
-          <p:nvPr/>
-        </p:nvSpPr>
-        <p:spPr>
-          <a:xfrm>
-            <a:off x="1317674" y="3162423"/>
-            <a:ext cx="3511452" cy="520701"/>
-          </a:xfrm>
-          <a:prstGeom prst="rect">
-            <a:avLst/>
-          </a:prstGeom>
-          <a:ln w="12700">
-            <a:miter lim="400000"/>
-          </a:ln>
-          <a:extLst>
-            <a:ext uri="{C572A759-6A51-4108-AA02-DFA0A04FC94B}">
-              <ma14:wrappingTextBoxFlag xmlns:ma14="http://schemas.microsoft.com/office/mac/drawingml/2011/main" val="1"/>
-            </a:ext>
-          </a:extLst>
-        </p:spPr>
-        <p:txBody>
-          <a:bodyPr wrap="none" lIns="50800" tIns="50800" rIns="50800" bIns="50800" anchor="ctr">
-            <a:spAutoFit/>
-          </a:bodyPr>
-          <a:lstStyle>
-            <a:lvl1pPr>
-              <a:defRPr sz="2400"/>
-            </a:lvl1pPr>
-          </a:lstStyle>
-          <a:p>
-            <a:pPr/>
-            <a:r>
-              <a:t>基于深度遍历，而非patch</a:t>
-            </a:r>
-          </a:p>
-        </p:txBody>
-      </p:sp>
     </p:spTree>
   </p:cSld>
   <p:clrMapOvr>
     <a:masterClrMapping/>
   </p:clrMapOvr>
-  <p:transition xmlns:p14="http://schemas.microsoft.com/office/powerpoint/2010/main" spd="med" advClick="1"/>
+  <p:transition spd="med"/>
 </p:sld>
 </file>
 
 <file path=ppt/slides/slide12.xml><?xml version="1.0" encoding="utf-8"?>
-<p:sld xmlns:a="http://schemas.openxmlformats.org/drawingml/2006/main" xmlns:r="http://schemas.openxmlformats.org/officeDocument/2006/relationships" xmlns:p="http://schemas.openxmlformats.org/presentationml/2006/main" showMasterSp="1" showMasterPhAnim="1">
+<p:sld xmlns:a="http://schemas.openxmlformats.org/drawingml/2006/main" xmlns:r="http://schemas.openxmlformats.org/officeDocument/2006/relationships" xmlns:p="http://schemas.openxmlformats.org/presentationml/2006/main">
   <p:cSld>
     <p:spTree>
       <p:nvGrpSpPr>
@@ -3447,7 +3278,7 @@
       </p:grpSpPr>
       <p:sp>
         <p:nvSpPr>
-          <p:cNvPr id="158" name="Chameleon"/>
+          <p:cNvPr id="151" name="Chameleon"/>
           <p:cNvSpPr txBox="1"/>
           <p:nvPr>
             <p:ph type="title"/>
@@ -3455,7 +3286,7 @@
         </p:nvSpPr>
         <p:spPr>
           <a:xfrm>
-            <a:off x="355600" y="-76200"/>
+            <a:off x="355600" y="-139700"/>
             <a:ext cx="12293600" cy="2438400"/>
           </a:xfrm>
           <a:prstGeom prst="rect">
@@ -3466,23 +3297,51 @@
           <a:bodyPr/>
           <a:lstStyle/>
           <a:p>
-            <a:pPr/>
             <a:r>
               <a:t>Chameleon</a:t>
             </a:r>
           </a:p>
         </p:txBody>
       </p:sp>
-      <p:sp>
-        <p:nvSpPr>
-          <p:cNvPr id="159" name="疑问…"/>
+      <p:pic>
+        <p:nvPicPr>
+          <p:cNvPr id="152" name="pasted-image.tiff" descr="pasted-image.tiff"/>
+          <p:cNvPicPr>
+            <a:picLocks noChangeAspect="1"/>
+          </p:cNvPicPr>
+          <p:nvPr/>
+        </p:nvPicPr>
+        <p:blipFill>
+          <a:blip r:embed="rId1"/>
+          <a:stretch>
+            <a:fillRect/>
+          </a:stretch>
+        </p:blipFill>
+        <p:spPr>
+          <a:xfrm>
+            <a:off x="6278684" y="3480047"/>
+            <a:ext cx="6484816" cy="5663953"/>
+          </a:xfrm>
+          <a:prstGeom prst="rect">
+            <a:avLst/>
+          </a:prstGeom>
+          <a:ln w="12700">
+            <a:miter lim="400000"/>
+            <a:headEnd/>
+            <a:tailEnd/>
+          </a:ln>
+        </p:spPr>
+      </p:pic>
+      <p:sp>
+        <p:nvSpPr>
+          <p:cNvPr id="153" name="双向绑定-属性映射"/>
           <p:cNvSpPr txBox="1"/>
           <p:nvPr/>
         </p:nvSpPr>
         <p:spPr>
           <a:xfrm>
-            <a:off x="880343" y="2514599"/>
-            <a:ext cx="2252514" cy="1371601"/>
+            <a:off x="7199200" y="2200073"/>
+            <a:ext cx="3915000" cy="736601"/>
           </a:xfrm>
           <a:prstGeom prst="rect">
             <a:avLst/>
@@ -3490,11 +3349,6 @@
           <a:ln w="12700">
             <a:miter lim="400000"/>
           </a:ln>
-          <a:extLst>
-            <a:ext uri="{C572A759-6A51-4108-AA02-DFA0A04FC94B}">
-              <ma14:wrappingTextBoxFlag xmlns:ma14="http://schemas.microsoft.com/office/mac/drawingml/2011/main" val="1"/>
-            </a:ext>
-          </a:extLst>
         </p:spPr>
         <p:txBody>
           <a:bodyPr wrap="none" lIns="50800" tIns="50800" rIns="50800" bIns="50800" anchor="ctr">
@@ -3502,15 +3356,101 @@
           </a:bodyPr>
           <a:lstStyle/>
           <a:p>
-            <a:pPr/>
-            <a:r>
-              <a:t>疑问</a:t>
-            </a:r>
-          </a:p>
-          <a:p>
-            <a:pPr/>
-            <a:r>
-              <a:t>1.性能问题</a:t>
+            <a:r>
+              <a:t>双向绑定-属性映射</a:t>
+            </a:r>
+          </a:p>
+        </p:txBody>
+      </p:sp>
+      <p:sp>
+        <p:nvSpPr>
+          <p:cNvPr id="154" name="Diff 算法"/>
+          <p:cNvSpPr txBox="1"/>
+          <p:nvPr/>
+        </p:nvSpPr>
+        <p:spPr>
+          <a:xfrm>
+            <a:off x="2008410" y="2200073"/>
+            <a:ext cx="1799780" cy="736601"/>
+          </a:xfrm>
+          <a:prstGeom prst="rect">
+            <a:avLst/>
+          </a:prstGeom>
+          <a:ln w="12700">
+            <a:miter lim="400000"/>
+          </a:ln>
+        </p:spPr>
+        <p:txBody>
+          <a:bodyPr wrap="none" lIns="50800" tIns="50800" rIns="50800" bIns="50800" anchor="ctr">
+            <a:spAutoFit/>
+          </a:bodyPr>
+          <a:lstStyle/>
+          <a:p>
+            <a:r>
+              <a:t>Diff 算法</a:t>
+            </a:r>
+          </a:p>
+        </p:txBody>
+      </p:sp>
+      <p:pic>
+        <p:nvPicPr>
+          <p:cNvPr id="155" name="pasted-image.tiff" descr="pasted-image.tiff"/>
+          <p:cNvPicPr>
+            <a:picLocks noChangeAspect="1"/>
+          </p:cNvPicPr>
+          <p:nvPr/>
+        </p:nvPicPr>
+        <p:blipFill>
+          <a:blip r:embed="rId2"/>
+          <a:stretch>
+            <a:fillRect/>
+          </a:stretch>
+        </p:blipFill>
+        <p:spPr>
+          <a:xfrm>
+            <a:off x="384761" y="3908874"/>
+            <a:ext cx="5047078" cy="4806300"/>
+          </a:xfrm>
+          <a:prstGeom prst="rect">
+            <a:avLst/>
+          </a:prstGeom>
+          <a:ln w="12700">
+            <a:miter lim="400000"/>
+            <a:headEnd/>
+            <a:tailEnd/>
+          </a:ln>
+        </p:spPr>
+      </p:pic>
+      <p:sp>
+        <p:nvSpPr>
+          <p:cNvPr id="156" name="基于深度遍历，而非patch"/>
+          <p:cNvSpPr txBox="1"/>
+          <p:nvPr/>
+        </p:nvSpPr>
+        <p:spPr>
+          <a:xfrm>
+            <a:off x="1317674" y="3162423"/>
+            <a:ext cx="3511452" cy="520701"/>
+          </a:xfrm>
+          <a:prstGeom prst="rect">
+            <a:avLst/>
+          </a:prstGeom>
+          <a:ln w="12700">
+            <a:miter lim="400000"/>
+          </a:ln>
+        </p:spPr>
+        <p:txBody>
+          <a:bodyPr wrap="none" lIns="50800" tIns="50800" rIns="50800" bIns="50800" anchor="ctr">
+            <a:spAutoFit/>
+          </a:bodyPr>
+          <a:lstStyle>
+            <a:lvl1pPr>
+              <a:defRPr sz="2400"/>
+            </a:lvl1pPr>
+          </a:lstStyle>
+          <a:p>
+            <a:r>
+              <a:t>基于深度遍历，而非patch</a:t>
             </a:r>
           </a:p>
         </p:txBody>
@@ -3520,12 +3460,12 @@
   <p:clrMapOvr>
     <a:masterClrMapping/>
   </p:clrMapOvr>
-  <p:transition xmlns:p14="http://schemas.microsoft.com/office/powerpoint/2010/main" spd="med" advClick="1"/>
+  <p:transition spd="med"/>
 </p:sld>
 </file>
 
-<file path=ppt/slides/slide2.xml><?xml version="1.0" encoding="utf-8"?>
-<p:sld xmlns:a="http://schemas.openxmlformats.org/drawingml/2006/main" xmlns:r="http://schemas.openxmlformats.org/officeDocument/2006/relationships" xmlns:p="http://schemas.openxmlformats.org/presentationml/2006/main" showMasterSp="1" showMasterPhAnim="1">
+<file path=ppt/slides/slide13.xml><?xml version="1.0" encoding="utf-8"?>
+<p:sld xmlns:a="http://schemas.openxmlformats.org/drawingml/2006/main" xmlns:r="http://schemas.openxmlformats.org/officeDocument/2006/relationships" xmlns:p="http://schemas.openxmlformats.org/presentationml/2006/main">
   <p:cSld>
     <p:spTree>
       <p:nvGrpSpPr>
@@ -3543,13 +3483,17 @@
       </p:grpSpPr>
       <p:sp>
         <p:nvSpPr>
-          <p:cNvPr id="122" name="目录"/>
+          <p:cNvPr id="158" name="Chameleon"/>
           <p:cNvSpPr txBox="1"/>
           <p:nvPr>
             <p:ph type="title"/>
           </p:nvPr>
         </p:nvSpPr>
         <p:spPr>
+          <a:xfrm>
+            <a:off x="355600" y="-76200"/>
+            <a:ext cx="12293600" cy="2438400"/>
+          </a:xfrm>
           <a:prstGeom prst="rect">
             <a:avLst/>
           </a:prstGeom>
@@ -3558,51 +3502,43 @@
           <a:bodyPr/>
           <a:lstStyle/>
           <a:p>
-            <a:pPr/>
-            <a:r>
-              <a:t>目录</a:t>
-            </a:r>
-          </a:p>
-        </p:txBody>
-      </p:sp>
-      <p:sp>
-        <p:nvSpPr>
-          <p:cNvPr id="123" name="1.小程序的代码包…"/>
+            <a:r>
+              <a:t>Chameleon</a:t>
+            </a:r>
+          </a:p>
+        </p:txBody>
+      </p:sp>
+      <p:sp>
+        <p:nvSpPr>
+          <p:cNvPr id="159" name="疑问…"/>
           <p:cNvSpPr txBox="1"/>
-          <p:nvPr>
-            <p:ph type="body" idx="1"/>
-          </p:nvPr>
-        </p:nvSpPr>
-        <p:spPr>
-          <a:prstGeom prst="rect">
-            <a:avLst/>
-          </a:prstGeom>
-        </p:spPr>
-        <p:txBody>
-          <a:bodyPr/>
+          <p:nvPr/>
+        </p:nvSpPr>
+        <p:spPr>
+          <a:xfrm>
+            <a:off x="880343" y="2514599"/>
+            <a:ext cx="2252514" cy="1371601"/>
+          </a:xfrm>
+          <a:prstGeom prst="rect">
+            <a:avLst/>
+          </a:prstGeom>
+          <a:ln w="12700">
+            <a:miter lim="400000"/>
+          </a:ln>
+        </p:spPr>
+        <p:txBody>
+          <a:bodyPr wrap="none" lIns="50800" tIns="50800" rIns="50800" bIns="50800" anchor="ctr">
+            <a:spAutoFit/>
+          </a:bodyPr>
           <a:lstStyle/>
           <a:p>
-            <a:pPr/>
-            <a:r>
-              <a:t>1.小程序的代码包</a:t>
-            </a:r>
-          </a:p>
-          <a:p>
-            <a:pPr/>
-            <a:r>
-              <a:t>2.如何 Hack 一个小程序</a:t>
-            </a:r>
-          </a:p>
-          <a:p>
-            <a:pPr/>
-            <a:r>
-              <a:t>3.从 Hack 别人的东西中学到了什么</a:t>
-            </a:r>
-          </a:p>
-          <a:p>
-            <a:pPr/>
-            <a:r>
-              <a:t>4.Taro &amp;&amp; Chameleon 原理介绍</a:t>
+            <a:r>
+              <a:t>疑问</a:t>
+            </a:r>
+          </a:p>
+          <a:p>
+            <a:r>
+              <a:t>1.性能问题</a:t>
             </a:r>
           </a:p>
         </p:txBody>
@@ -3612,12 +3548,12 @@
   <p:clrMapOvr>
     <a:masterClrMapping/>
   </p:clrMapOvr>
-  <p:transition xmlns:p14="http://schemas.microsoft.com/office/powerpoint/2010/main" spd="med" advClick="1"/>
+  <p:transition spd="med"/>
 </p:sld>
 </file>
 
-<file path=ppt/slides/slide3.xml><?xml version="1.0" encoding="utf-8"?>
-<p:sld xmlns:a="http://schemas.openxmlformats.org/drawingml/2006/main" xmlns:r="http://schemas.openxmlformats.org/officeDocument/2006/relationships" xmlns:p="http://schemas.openxmlformats.org/presentationml/2006/main" showMasterSp="1" showMasterPhAnim="1">
+<file path=ppt/slides/slide2.xml><?xml version="1.0" encoding="utf-8"?>
+<p:sld xmlns:a="http://schemas.openxmlformats.org/drawingml/2006/main" xmlns:r="http://schemas.openxmlformats.org/officeDocument/2006/relationships" xmlns:p="http://schemas.openxmlformats.org/presentationml/2006/main">
   <p:cSld>
     <p:spTree>
       <p:nvGrpSpPr>
@@ -3635,7 +3571,7 @@
       </p:grpSpPr>
       <p:sp>
         <p:nvSpPr>
-          <p:cNvPr id="125" name="小程序代码底层"/>
+          <p:cNvPr id="122" name="目录"/>
           <p:cNvSpPr txBox="1"/>
           <p:nvPr>
             <p:ph type="title"/>
@@ -3650,16 +3586,15 @@
           <a:bodyPr/>
           <a:lstStyle/>
           <a:p>
-            <a:pPr/>
-            <a:r>
-              <a:t>小程序代码底层</a:t>
-            </a:r>
-          </a:p>
-        </p:txBody>
-      </p:sp>
-      <p:sp>
-        <p:nvSpPr>
-          <p:cNvPr id="126" name="正文"/>
+            <a:r>
+              <a:t>目录</a:t>
+            </a:r>
+          </a:p>
+        </p:txBody>
+      </p:sp>
+      <p:sp>
+        <p:nvSpPr>
+          <p:cNvPr id="123" name="1.小程序的代码包…"/>
           <p:cNvSpPr txBox="1"/>
           <p:nvPr>
             <p:ph type="body" idx="1"/>
@@ -3674,7 +3609,24 @@
           <a:bodyPr/>
           <a:lstStyle/>
           <a:p>
-            <a:pPr/>
+            <a:r>
+              <a:t>1.小程序的代码包</a:t>
+            </a:r>
+          </a:p>
+          <a:p>
+            <a:r>
+              <a:t>2.如何 Hack 一个小程序</a:t>
+            </a:r>
+          </a:p>
+          <a:p>
+            <a:r>
+              <a:t>3.从 Hack 别人的东西中学到了什么</a:t>
+            </a:r>
+          </a:p>
+          <a:p>
+            <a:r>
+              <a:t>4.Taro &amp;&amp; Chameleon 原理介绍</a:t>
+            </a:r>
           </a:p>
         </p:txBody>
       </p:sp>
@@ -3683,12 +3635,12 @@
   <p:clrMapOvr>
     <a:masterClrMapping/>
   </p:clrMapOvr>
-  <p:transition xmlns:p14="http://schemas.microsoft.com/office/powerpoint/2010/main" spd="med" advClick="1"/>
+  <p:transition spd="med"/>
 </p:sld>
 </file>
 
-<file path=ppt/slides/slide4.xml><?xml version="1.0" encoding="utf-8"?>
-<p:sld xmlns:a="http://schemas.openxmlformats.org/drawingml/2006/main" xmlns:r="http://schemas.openxmlformats.org/officeDocument/2006/relationships" xmlns:p="http://schemas.openxmlformats.org/presentationml/2006/main" showMasterSp="1" showMasterPhAnim="1">
+<file path=ppt/slides/slide3.xml><?xml version="1.0" encoding="utf-8"?>
+<p:sld xmlns:a="http://schemas.openxmlformats.org/drawingml/2006/main" xmlns:r="http://schemas.openxmlformats.org/officeDocument/2006/relationships" xmlns:p="http://schemas.openxmlformats.org/presentationml/2006/main">
   <p:cSld>
     <p:spTree>
       <p:nvGrpSpPr>
@@ -3706,7 +3658,7 @@
       </p:grpSpPr>
       <p:sp>
         <p:nvSpPr>
-          <p:cNvPr id="128" name="小程序代码运行机制"/>
+          <p:cNvPr id="125" name="小程序代码底层"/>
           <p:cNvSpPr txBox="1"/>
           <p:nvPr>
             <p:ph type="title"/>
@@ -3721,40 +3673,67 @@
           <a:bodyPr/>
           <a:lstStyle/>
           <a:p>
-            <a:pPr/>
-            <a:r>
-              <a:t>小程序代码运行机制</a:t>
-            </a:r>
+            <a:r>
+              <a:t>wxapkg </a:t>
+            </a:r>
+            <a:r>
+              <a:rPr lang="zh-CN">
+                <a:ea typeface="宋体" panose="02010600030101010101" pitchFamily="2" charset="-122"/>
+              </a:rPr>
+              <a:t>解包</a:t>
+            </a:r>
+            <a:endParaRPr lang="zh-CN">
+              <a:ea typeface="宋体" panose="02010600030101010101" pitchFamily="2" charset="-122"/>
+            </a:endParaRPr>
           </a:p>
         </p:txBody>
       </p:sp>
       <p:pic>
         <p:nvPicPr>
-          <p:cNvPr id="129" name="pasted-image.tiff" descr="pasted-image.tiff"/>
+          <p:cNvPr id="2" name="图片 1"/>
           <p:cNvPicPr>
             <a:picLocks noChangeAspect="1"/>
           </p:cNvPicPr>
           <p:nvPr/>
         </p:nvPicPr>
         <p:blipFill>
-          <a:blip r:embed="rId2">
-            <a:extLst/>
-          </a:blip>
+          <a:blip r:embed="rId1"/>
           <a:stretch>
             <a:fillRect/>
           </a:stretch>
         </p:blipFill>
         <p:spPr>
           <a:xfrm>
-            <a:off x="0" y="3669359"/>
-            <a:ext cx="13004800" cy="3913482"/>
+            <a:off x="7743825" y="3409950"/>
+            <a:ext cx="3513455" cy="5622925"/>
           </a:xfrm>
           <a:prstGeom prst="rect">
             <a:avLst/>
           </a:prstGeom>
-          <a:ln w="12700">
-            <a:miter lim="400000"/>
-          </a:ln>
+        </p:spPr>
+      </p:pic>
+      <p:pic>
+        <p:nvPicPr>
+          <p:cNvPr id="3" name="图片 2"/>
+          <p:cNvPicPr>
+            <a:picLocks noChangeAspect="1"/>
+          </p:cNvPicPr>
+          <p:nvPr/>
+        </p:nvPicPr>
+        <p:blipFill>
+          <a:blip r:embed="rId2"/>
+          <a:stretch>
+            <a:fillRect/>
+          </a:stretch>
+        </p:blipFill>
+        <p:spPr>
+          <a:xfrm>
+            <a:off x="1879600" y="3255010"/>
+            <a:ext cx="3421380" cy="5777865"/>
+          </a:xfrm>
+          <a:prstGeom prst="rect">
+            <a:avLst/>
+          </a:prstGeom>
         </p:spPr>
       </p:pic>
     </p:spTree>
@@ -3762,12 +3741,12 @@
   <p:clrMapOvr>
     <a:masterClrMapping/>
   </p:clrMapOvr>
-  <p:transition xmlns:p14="http://schemas.microsoft.com/office/powerpoint/2010/main" spd="med" advClick="1"/>
+  <p:transition spd="med"/>
 </p:sld>
 </file>
 
-<file path=ppt/slides/slide5.xml><?xml version="1.0" encoding="utf-8"?>
-<p:sld xmlns:a="http://schemas.openxmlformats.org/drawingml/2006/main" xmlns:r="http://schemas.openxmlformats.org/officeDocument/2006/relationships" xmlns:p="http://schemas.openxmlformats.org/presentationml/2006/main" showMasterSp="1" showMasterPhAnim="1">
+<file path=ppt/slides/slide4.xml><?xml version="1.0" encoding="utf-8"?>
+<p:sld xmlns:a="http://schemas.openxmlformats.org/drawingml/2006/main" xmlns:r="http://schemas.openxmlformats.org/officeDocument/2006/relationships" xmlns:p="http://schemas.openxmlformats.org/presentationml/2006/main">
   <p:cSld>
     <p:spTree>
       <p:nvGrpSpPr>
@@ -3785,7 +3764,7 @@
       </p:grpSpPr>
       <p:sp>
         <p:nvSpPr>
-          <p:cNvPr id="131" name="滴滴出行"/>
+          <p:cNvPr id="128" name="小程序代码运行机制"/>
           <p:cNvSpPr txBox="1"/>
           <p:nvPr>
             <p:ph type="title"/>
@@ -3800,52 +3779,52 @@
           <a:bodyPr/>
           <a:lstStyle/>
           <a:p>
-            <a:pPr/>
-            <a:r>
-              <a:t>滴滴出行</a:t>
-            </a:r>
-          </a:p>
-        </p:txBody>
-      </p:sp>
-      <p:sp>
-        <p:nvSpPr>
-          <p:cNvPr id="132" name="Chameleon  框架的最佳实践（新老并行）"/>
-          <p:cNvSpPr txBox="1"/>
-          <p:nvPr>
-            <p:ph type="body" idx="1"/>
-          </p:nvPr>
-        </p:nvSpPr>
+            <a:r>
+              <a:t>小程序代码运行机制</a:t>
+            </a:r>
+          </a:p>
+        </p:txBody>
+      </p:sp>
+      <p:pic>
+        <p:nvPicPr>
+          <p:cNvPr id="129" name="pasted-image.tiff" descr="pasted-image.tiff"/>
+          <p:cNvPicPr>
+            <a:picLocks noChangeAspect="1"/>
+          </p:cNvPicPr>
+          <p:nvPr/>
+        </p:nvPicPr>
+        <p:blipFill>
+          <a:blip r:embed="rId1"/>
+          <a:stretch>
+            <a:fillRect/>
+          </a:stretch>
+        </p:blipFill>
         <p:spPr>
           <a:xfrm>
-            <a:off x="279400" y="1244600"/>
-            <a:ext cx="11023452" cy="6299200"/>
+            <a:off x="0" y="3669359"/>
+            <a:ext cx="13004800" cy="3913482"/>
           </a:xfrm>
           <a:prstGeom prst="rect">
             <a:avLst/>
           </a:prstGeom>
-        </p:spPr>
-        <p:txBody>
-          <a:bodyPr/>
-          <a:lstStyle/>
-          <a:p>
-            <a:pPr/>
-            <a:r>
-              <a:t>Chameleon  框架的最佳实践（新老并行）</a:t>
-            </a:r>
-          </a:p>
-        </p:txBody>
-      </p:sp>
+          <a:ln w="12700">
+            <a:miter lim="400000"/>
+            <a:headEnd/>
+            <a:tailEnd/>
+          </a:ln>
+        </p:spPr>
+      </p:pic>
     </p:spTree>
   </p:cSld>
   <p:clrMapOvr>
     <a:masterClrMapping/>
   </p:clrMapOvr>
-  <p:transition xmlns:p14="http://schemas.microsoft.com/office/powerpoint/2010/main" spd="med" advClick="1"/>
+  <p:transition spd="med"/>
 </p:sld>
 </file>
 
-<file path=ppt/slides/slide6.xml><?xml version="1.0" encoding="utf-8"?>
-<p:sld xmlns:a="http://schemas.openxmlformats.org/drawingml/2006/main" xmlns:r="http://schemas.openxmlformats.org/officeDocument/2006/relationships" xmlns:p="http://schemas.openxmlformats.org/presentationml/2006/main" showMasterSp="1" showMasterPhAnim="1">
+<file path=ppt/slides/slide5.xml><?xml version="1.0" encoding="utf-8"?>
+<p:sld xmlns:a="http://schemas.openxmlformats.org/drawingml/2006/main" xmlns:r="http://schemas.openxmlformats.org/officeDocument/2006/relationships" xmlns:p="http://schemas.openxmlformats.org/presentationml/2006/main">
   <p:cSld>
     <p:spTree>
       <p:nvGrpSpPr>
@@ -3863,7 +3842,7 @@
       </p:grpSpPr>
       <p:sp>
         <p:nvSpPr>
-          <p:cNvPr id="134" name="京东商城&amp;拼多多"/>
+          <p:cNvPr id="128" name="小程序代码运行机制"/>
           <p:cNvSpPr txBox="1"/>
           <p:nvPr>
             <p:ph type="title"/>
@@ -3878,31 +3857,114 @@
           <a:bodyPr/>
           <a:lstStyle/>
           <a:p>
-            <a:pPr/>
-            <a:r>
-              <a:t>京东商城&amp;拼多多</a:t>
-            </a:r>
-          </a:p>
-        </p:txBody>
-      </p:sp>
-      <p:sp>
-        <p:nvSpPr>
-          <p:cNvPr id="135" name="正文"/>
+            <a:r>
+              <a:t>小程序</a:t>
+            </a:r>
+            <a:r>
+              <a:rPr lang="zh-CN">
+                <a:ea typeface="宋体" panose="02010600030101010101" pitchFamily="2" charset="-122"/>
+              </a:rPr>
+              <a:t>核心</a:t>
+            </a:r>
+            <a:r>
+              <a:rPr lang="en-US" altLang="zh-CN">
+                <a:ea typeface="宋体" panose="02010600030101010101" pitchFamily="2" charset="-122"/>
+              </a:rPr>
+              <a:t>- WAService</a:t>
+            </a:r>
+            <a:endParaRPr lang="en-US" altLang="zh-CN">
+              <a:ea typeface="宋体" panose="02010600030101010101" pitchFamily="2" charset="-122"/>
+            </a:endParaRPr>
+          </a:p>
+        </p:txBody>
+      </p:sp>
+      <p:sp>
+        <p:nvSpPr>
+          <p:cNvPr id="132" name="Chameleon  框架的最佳实践（新老并行）"/>
           <p:cNvSpPr txBox="1"/>
           <p:nvPr>
-            <p:ph type="body" sz="half" idx="1"/>
+            <p:ph type="body" idx="1"/>
           </p:nvPr>
         </p:nvSpPr>
         <p:spPr>
-          <a:prstGeom prst="rect">
-            <a:avLst/>
-          </a:prstGeom>
-        </p:spPr>
-        <p:txBody>
-          <a:bodyPr/>
-          <a:lstStyle/>
-          <a:p>
-            <a:pPr/>
+          <a:xfrm>
+            <a:off x="355600" y="2871470"/>
+            <a:ext cx="11023452" cy="6299200"/>
+          </a:xfrm>
+          <a:prstGeom prst="rect">
+            <a:avLst/>
+          </a:prstGeom>
+        </p:spPr>
+        <p:txBody>
+          <a:bodyPr>
+            <a:normAutofit lnSpcReduction="10000"/>
+          </a:bodyPr>
+          <a:p>
+            <a:r>
+              <a:rPr sz="3200"/>
+              <a:t> WeixinJSBridge</a:t>
+            </a:r>
+            <a:endParaRPr sz="3200"/>
+          </a:p>
+          <a:p>
+            <a:r>
+              <a:rPr sz="3200"/>
+              <a:t>wxparser </a:t>
+            </a:r>
+            <a:r>
+              <a:rPr lang="zh-CN" sz="3200">
+                <a:ea typeface="宋体" panose="02010600030101010101" pitchFamily="2" charset="-122"/>
+              </a:rPr>
+              <a:t>（dom 到 wx element 对象之间的映射）</a:t>
+            </a:r>
+            <a:endParaRPr lang="zh-CN" sz="3200">
+              <a:ea typeface="宋体" panose="02010600030101010101" pitchFamily="2" charset="-122"/>
+            </a:endParaRPr>
+          </a:p>
+          <a:p>
+            <a:r>
+              <a:rPr lang="zh-CN" sz="3200">
+                <a:ea typeface="宋体" panose="02010600030101010101" pitchFamily="2" charset="-122"/>
+              </a:rPr>
+              <a:t>virtual dom 渲染算法 （模拟wx element 而不是 </a:t>
+            </a:r>
+            <a:r>
+              <a:rPr lang="en-US" altLang="zh-CN" sz="3200">
+                <a:ea typeface="宋体" panose="02010600030101010101" pitchFamily="2" charset="-122"/>
+              </a:rPr>
+              <a:t>Dom</a:t>
+            </a:r>
+            <a:r>
+              <a:rPr lang="zh-CN" sz="3200">
+                <a:ea typeface="宋体" panose="02010600030101010101" pitchFamily="2" charset="-122"/>
+              </a:rPr>
+              <a:t>）</a:t>
+            </a:r>
+            <a:endParaRPr lang="zh-CN" sz="3200">
+              <a:ea typeface="宋体" panose="02010600030101010101" pitchFamily="2" charset="-122"/>
+            </a:endParaRPr>
+          </a:p>
+          <a:p>
+            <a:r>
+              <a:rPr lang="zh-CN" sz="3200">
+                <a:ea typeface="宋体" panose="02010600030101010101" pitchFamily="2" charset="-122"/>
+              </a:rPr>
+              <a:t>appServiceEngine 模块，提供 Page，App，GetApp 接口</a:t>
+            </a:r>
+            <a:endParaRPr lang="zh-CN" sz="3200">
+              <a:ea typeface="宋体" panose="02010600030101010101" pitchFamily="2" charset="-122"/>
+            </a:endParaRPr>
+          </a:p>
+          <a:p>
+            <a:r>
+              <a:rPr lang="zh-CN" sz="3200">
+                <a:ea typeface="宋体" panose="02010600030101010101" pitchFamily="2" charset="-122"/>
+              </a:rPr>
+              <a:t> 为 window 对象添加 AMD 接口 require define</a:t>
+            </a:r>
+            <a:endParaRPr lang="zh-CN" sz="3200">
+              <a:ea typeface="宋体" panose="02010600030101010101" pitchFamily="2" charset="-122"/>
+            </a:endParaRPr>
           </a:p>
         </p:txBody>
       </p:sp>
@@ -3911,12 +3973,12 @@
   <p:clrMapOvr>
     <a:masterClrMapping/>
   </p:clrMapOvr>
-  <p:transition xmlns:p14="http://schemas.microsoft.com/office/powerpoint/2010/main" spd="med" advClick="1"/>
+  <p:transition spd="med"/>
 </p:sld>
 </file>
 
-<file path=ppt/slides/slide7.xml><?xml version="1.0" encoding="utf-8"?>
-<p:sld xmlns:a="http://schemas.openxmlformats.org/drawingml/2006/main" xmlns:r="http://schemas.openxmlformats.org/officeDocument/2006/relationships" xmlns:p="http://schemas.openxmlformats.org/presentationml/2006/main" showMasterSp="1" showMasterPhAnim="1">
+<file path=ppt/slides/slide6.xml><?xml version="1.0" encoding="utf-8"?>
+<p:sld xmlns:a="http://schemas.openxmlformats.org/drawingml/2006/main" xmlns:r="http://schemas.openxmlformats.org/officeDocument/2006/relationships" xmlns:p="http://schemas.openxmlformats.org/presentationml/2006/main">
   <p:cSld>
     <p:spTree>
       <p:nvGrpSpPr>
@@ -3934,7 +3996,7 @@
       </p:grpSpPr>
       <p:sp>
         <p:nvSpPr>
-          <p:cNvPr id="137" name="Taro"/>
+          <p:cNvPr id="131" name="滴滴出行"/>
           <p:cNvSpPr txBox="1"/>
           <p:nvPr>
             <p:ph type="title"/>
@@ -3949,22 +4011,25 @@
           <a:bodyPr/>
           <a:lstStyle/>
           <a:p>
-            <a:pPr/>
-            <a:r>
-              <a:t>Taro</a:t>
-            </a:r>
-          </a:p>
-        </p:txBody>
-      </p:sp>
-      <p:sp>
-        <p:nvSpPr>
-          <p:cNvPr id="138" name="正文"/>
+            <a:r>
+              <a:t>滴滴出行</a:t>
+            </a:r>
+          </a:p>
+        </p:txBody>
+      </p:sp>
+      <p:sp>
+        <p:nvSpPr>
+          <p:cNvPr id="132" name="Chameleon  框架的最佳实践（新老并行）"/>
           <p:cNvSpPr txBox="1"/>
           <p:nvPr>
             <p:ph type="body" idx="1"/>
           </p:nvPr>
         </p:nvSpPr>
         <p:spPr>
+          <a:xfrm>
+            <a:off x="279400" y="1244600"/>
+            <a:ext cx="11023452" cy="6299200"/>
+          </a:xfrm>
           <a:prstGeom prst="rect">
             <a:avLst/>
           </a:prstGeom>
@@ -3973,7 +4038,9 @@
           <a:bodyPr/>
           <a:lstStyle/>
           <a:p>
-            <a:pPr/>
+            <a:r>
+              <a:t>Chameleon  框架的最佳实践（新老并行）</a:t>
+            </a:r>
           </a:p>
         </p:txBody>
       </p:sp>
@@ -3982,12 +4049,12 @@
   <p:clrMapOvr>
     <a:masterClrMapping/>
   </p:clrMapOvr>
-  <p:transition xmlns:p14="http://schemas.microsoft.com/office/powerpoint/2010/main" spd="med" advClick="1"/>
+  <p:transition spd="med"/>
 </p:sld>
 </file>
 
-<file path=ppt/slides/slide8.xml><?xml version="1.0" encoding="utf-8"?>
-<p:sld xmlns:a="http://schemas.openxmlformats.org/drawingml/2006/main" xmlns:r="http://schemas.openxmlformats.org/officeDocument/2006/relationships" xmlns:p="http://schemas.openxmlformats.org/presentationml/2006/main" showMasterSp="1" showMasterPhAnim="1">
+<file path=ppt/slides/slide7.xml><?xml version="1.0" encoding="utf-8"?>
+<p:sld xmlns:a="http://schemas.openxmlformats.org/drawingml/2006/main" xmlns:r="http://schemas.openxmlformats.org/officeDocument/2006/relationships" xmlns:p="http://schemas.openxmlformats.org/presentationml/2006/main">
   <p:cSld>
     <p:spTree>
       <p:nvGrpSpPr>
@@ -4005,7 +4072,7 @@
       </p:grpSpPr>
       <p:sp>
         <p:nvSpPr>
-          <p:cNvPr id="140" name="Chameleon"/>
+          <p:cNvPr id="134" name="京东商城&amp;拼多多"/>
           <p:cNvSpPr txBox="1"/>
           <p:nvPr>
             <p:ph type="title"/>
@@ -4020,26 +4087,21 @@
           <a:bodyPr/>
           <a:lstStyle/>
           <a:p>
-            <a:pPr/>
-            <a:r>
-              <a:t>Chameleon</a:t>
-            </a:r>
-          </a:p>
-        </p:txBody>
-      </p:sp>
-      <p:sp>
-        <p:nvSpPr>
-          <p:cNvPr id="141" name="Vue 语法"/>
+            <a:r>
+              <a:t>京东商城&amp;拼多多</a:t>
+            </a:r>
+          </a:p>
+        </p:txBody>
+      </p:sp>
+      <p:sp>
+        <p:nvSpPr>
+          <p:cNvPr id="135" name="正文"/>
           <p:cNvSpPr txBox="1"/>
           <p:nvPr>
-            <p:ph type="body" idx="1"/>
+            <p:ph type="body" sz="half" idx="1"/>
           </p:nvPr>
         </p:nvSpPr>
         <p:spPr>
-          <a:xfrm>
-            <a:off x="355600" y="2730500"/>
-            <a:ext cx="12028042" cy="6299200"/>
-          </a:xfrm>
           <a:prstGeom prst="rect">
             <a:avLst/>
           </a:prstGeom>
@@ -4047,12 +4109,7 @@
         <p:txBody>
           <a:bodyPr/>
           <a:lstStyle/>
-          <a:p>
-            <a:pPr/>
-            <a:r>
-              <a:t>Vue 语法</a:t>
-            </a:r>
-          </a:p>
+          <a:p/>
         </p:txBody>
       </p:sp>
     </p:spTree>
@@ -4060,12 +4117,12 @@
   <p:clrMapOvr>
     <a:masterClrMapping/>
   </p:clrMapOvr>
-  <p:transition xmlns:p14="http://schemas.microsoft.com/office/powerpoint/2010/main" spd="med" advClick="1"/>
+  <p:transition spd="med"/>
 </p:sld>
 </file>
 
-<file path=ppt/slides/slide9.xml><?xml version="1.0" encoding="utf-8"?>
-<p:sld xmlns:a="http://schemas.openxmlformats.org/drawingml/2006/main" xmlns:r="http://schemas.openxmlformats.org/officeDocument/2006/relationships" xmlns:p="http://schemas.openxmlformats.org/presentationml/2006/main" showMasterSp="1" showMasterPhAnim="1">
+<file path=ppt/slides/slide8.xml><?xml version="1.0" encoding="utf-8"?>
+<p:sld xmlns:a="http://schemas.openxmlformats.org/drawingml/2006/main" xmlns:r="http://schemas.openxmlformats.org/officeDocument/2006/relationships" xmlns:p="http://schemas.openxmlformats.org/presentationml/2006/main">
   <p:cSld>
     <p:spTree>
       <p:nvGrpSpPr>
@@ -4083,17 +4140,13 @@
       </p:grpSpPr>
       <p:sp>
         <p:nvSpPr>
-          <p:cNvPr id="143" name="Chameleon"/>
+          <p:cNvPr id="137" name="Taro"/>
           <p:cNvSpPr txBox="1"/>
           <p:nvPr>
             <p:ph type="title"/>
           </p:nvPr>
         </p:nvSpPr>
         <p:spPr>
-          <a:xfrm>
-            <a:off x="241300" y="76200"/>
-            <a:ext cx="12293600" cy="2438400"/>
-          </a:xfrm>
           <a:prstGeom prst="rect">
             <a:avLst/>
           </a:prstGeom>
@@ -4102,76 +4155,29 @@
           <a:bodyPr/>
           <a:lstStyle/>
           <a:p>
-            <a:pPr/>
-            <a:r>
-              <a:t>Chameleon</a:t>
-            </a:r>
-          </a:p>
-        </p:txBody>
-      </p:sp>
-      <p:pic>
-        <p:nvPicPr>
-          <p:cNvPr id="144" name="pasted-image.tiff" descr="pasted-image.tiff"/>
-          <p:cNvPicPr>
-            <a:picLocks noChangeAspect="1"/>
-          </p:cNvPicPr>
-          <p:nvPr/>
-        </p:nvPicPr>
-        <p:blipFill>
-          <a:blip r:embed="rId2">
-            <a:extLst/>
-          </a:blip>
-          <a:stretch>
-            <a:fillRect/>
-          </a:stretch>
-        </p:blipFill>
-        <p:spPr>
-          <a:xfrm>
-            <a:off x="4260892" y="2862427"/>
-            <a:ext cx="7956508" cy="6035346"/>
-          </a:xfrm>
-          <a:prstGeom prst="rect">
-            <a:avLst/>
-          </a:prstGeom>
-          <a:ln w="12700">
-            <a:miter lim="400000"/>
-          </a:ln>
-        </p:spPr>
-      </p:pic>
-      <p:sp>
-        <p:nvSpPr>
-          <p:cNvPr id="145" name="Vue 层语法编译"/>
+            <a:r>
+              <a:t>Taro</a:t>
+            </a:r>
+          </a:p>
+        </p:txBody>
+      </p:sp>
+      <p:sp>
+        <p:nvSpPr>
+          <p:cNvPr id="138" name="正文"/>
           <p:cNvSpPr txBox="1"/>
-          <p:nvPr/>
-        </p:nvSpPr>
-        <p:spPr>
-          <a:xfrm>
-            <a:off x="483579" y="3657600"/>
-            <a:ext cx="3223842" cy="736601"/>
-          </a:xfrm>
-          <a:prstGeom prst="rect">
-            <a:avLst/>
-          </a:prstGeom>
-          <a:ln w="12700">
-            <a:miter lim="400000"/>
-          </a:ln>
-          <a:extLst>
-            <a:ext uri="{C572A759-6A51-4108-AA02-DFA0A04FC94B}">
-              <ma14:wrappingTextBoxFlag xmlns:ma14="http://schemas.microsoft.com/office/mac/drawingml/2011/main" val="1"/>
-            </a:ext>
-          </a:extLst>
-        </p:spPr>
-        <p:txBody>
-          <a:bodyPr wrap="none" lIns="50800" tIns="50800" rIns="50800" bIns="50800" anchor="ctr">
-            <a:spAutoFit/>
-          </a:bodyPr>
+          <p:nvPr>
+            <p:ph type="body" idx="1"/>
+          </p:nvPr>
+        </p:nvSpPr>
+        <p:spPr>
+          <a:prstGeom prst="rect">
+            <a:avLst/>
+          </a:prstGeom>
+        </p:spPr>
+        <p:txBody>
+          <a:bodyPr/>
           <a:lstStyle/>
-          <a:p>
-            <a:pPr/>
-            <a:r>
-              <a:t>Vue 层语法编译</a:t>
-            </a:r>
-          </a:p>
+          <a:p/>
         </p:txBody>
       </p:sp>
     </p:spTree>
@@ -4179,12 +4185,88 @@
   <p:clrMapOvr>
     <a:masterClrMapping/>
   </p:clrMapOvr>
-  <p:transition xmlns:p14="http://schemas.microsoft.com/office/powerpoint/2010/main" spd="med" advClick="1"/>
+  <p:transition spd="med"/>
+</p:sld>
+</file>
+
+<file path=ppt/slides/slide9.xml><?xml version="1.0" encoding="utf-8"?>
+<p:sld xmlns:a="http://schemas.openxmlformats.org/drawingml/2006/main" xmlns:r="http://schemas.openxmlformats.org/officeDocument/2006/relationships" xmlns:p="http://schemas.openxmlformats.org/presentationml/2006/main">
+  <p:cSld>
+    <p:spTree>
+      <p:nvGrpSpPr>
+        <p:cNvPr id="1" name=""/>
+        <p:cNvGrpSpPr/>
+        <p:nvPr/>
+      </p:nvGrpSpPr>
+      <p:grpSpPr>
+        <a:xfrm>
+          <a:off x="0" y="0"/>
+          <a:ext cx="0" cy="0"/>
+          <a:chOff x="0" y="0"/>
+          <a:chExt cx="0" cy="0"/>
+        </a:xfrm>
+      </p:grpSpPr>
+      <p:sp>
+        <p:nvSpPr>
+          <p:cNvPr id="140" name="Chameleon"/>
+          <p:cNvSpPr txBox="1"/>
+          <p:nvPr>
+            <p:ph type="title"/>
+          </p:nvPr>
+        </p:nvSpPr>
+        <p:spPr>
+          <a:prstGeom prst="rect">
+            <a:avLst/>
+          </a:prstGeom>
+        </p:spPr>
+        <p:txBody>
+          <a:bodyPr/>
+          <a:lstStyle/>
+          <a:p>
+            <a:r>
+              <a:t>Chameleon</a:t>
+            </a:r>
+          </a:p>
+        </p:txBody>
+      </p:sp>
+      <p:sp>
+        <p:nvSpPr>
+          <p:cNvPr id="141" name="Vue 语法"/>
+          <p:cNvSpPr txBox="1"/>
+          <p:nvPr>
+            <p:ph type="body" idx="1"/>
+          </p:nvPr>
+        </p:nvSpPr>
+        <p:spPr>
+          <a:xfrm>
+            <a:off x="355600" y="2730500"/>
+            <a:ext cx="12028042" cy="6299200"/>
+          </a:xfrm>
+          <a:prstGeom prst="rect">
+            <a:avLst/>
+          </a:prstGeom>
+        </p:spPr>
+        <p:txBody>
+          <a:bodyPr/>
+          <a:lstStyle/>
+          <a:p>
+            <a:r>
+              <a:t>Vue 语法</a:t>
+            </a:r>
+          </a:p>
+        </p:txBody>
+      </p:sp>
+    </p:spTree>
+  </p:cSld>
+  <p:clrMapOvr>
+    <a:masterClrMapping/>
+  </p:clrMapOvr>
+  <p:transition spd="med"/>
 </p:sld>
 </file>
 
 <file path=ppt/theme/theme1.xml><?xml version="1.0" encoding="utf-8"?>
-<a:theme xmlns:a="http://schemas.openxmlformats.org/drawingml/2006/main" xmlns:r="http://schemas.openxmlformats.org/officeDocument/2006/relationships" name="Showroom">
+<a:theme xmlns:a="http://schemas.openxmlformats.org/drawingml/2006/main" name="Showroom">
   <a:themeElements>
     <a:clrScheme name="Showroom">
       <a:dk1>
@@ -4380,8 +4462,6 @@
           <a:noFill/>
           <a:miter lim="400000"/>
         </a:ln>
-        <a:effectLst/>
-        <a:sp3d/>
       </a:spPr>
       <a:bodyPr rot="0" spcFirstLastPara="1" vertOverflow="overflow" horzOverflow="overflow" vert="horz" wrap="square" lIns="50800" tIns="50800" rIns="50800" bIns="50800" numCol="1" spcCol="38100" rtlCol="0" anchor="ctr" upright="0">
         <a:spAutoFit/>
@@ -4401,8 +4481,7 @@
           <a:buSzTx/>
           <a:buFontTx/>
           <a:buNone/>
-          <a:tabLst/>
-          <a:defRPr b="0" baseline="0" cap="none" i="0" spc="0" strike="noStrike" sz="3600" u="none" kumimoji="0" normalizeH="0">
+          <a:defRPr kumimoji="0" sz="3600" b="0" i="0" u="none" strike="noStrike" cap="none" spc="0" normalizeH="0" baseline="0">
             <a:ln>
               <a:noFill/>
             </a:ln>
@@ -4431,8 +4510,7 @@
           <a:buSzTx/>
           <a:buFontTx/>
           <a:buNone/>
-          <a:tabLst/>
-          <a:defRPr b="0" baseline="0" cap="none" i="0" spc="0" strike="noStrike" sz="1800" u="none" kumimoji="0" normalizeH="0">
+          <a:defRPr kumimoji="0" sz="1800" b="0" i="0" u="none" strike="noStrike" cap="none" spc="0" normalizeH="0" baseline="0">
             <a:ln>
               <a:noFill/>
             </a:ln>
@@ -4457,8 +4535,7 @@
           <a:buSzTx/>
           <a:buFontTx/>
           <a:buNone/>
-          <a:tabLst/>
-          <a:defRPr b="0" baseline="0" cap="none" i="0" spc="0" strike="noStrike" sz="1800" u="none" kumimoji="0" normalizeH="0">
+          <a:defRPr kumimoji="0" sz="1800" b="0" i="0" u="none" strike="noStrike" cap="none" spc="0" normalizeH="0" baseline="0">
             <a:ln>
               <a:noFill/>
             </a:ln>
@@ -4483,8 +4560,7 @@
           <a:buSzTx/>
           <a:buFontTx/>
           <a:buNone/>
-          <a:tabLst/>
-          <a:defRPr b="0" baseline="0" cap="none" i="0" spc="0" strike="noStrike" sz="1800" u="none" kumimoji="0" normalizeH="0">
+          <a:defRPr kumimoji="0" sz="1800" b="0" i="0" u="none" strike="noStrike" cap="none" spc="0" normalizeH="0" baseline="0">
             <a:ln>
               <a:noFill/>
             </a:ln>
@@ -4509,8 +4585,7 @@
           <a:buSzTx/>
           <a:buFontTx/>
           <a:buNone/>
-          <a:tabLst/>
-          <a:defRPr b="0" baseline="0" cap="none" i="0" spc="0" strike="noStrike" sz="1800" u="none" kumimoji="0" normalizeH="0">
+          <a:defRPr kumimoji="0" sz="1800" b="0" i="0" u="none" strike="noStrike" cap="none" spc="0" normalizeH="0" baseline="0">
             <a:ln>
               <a:noFill/>
             </a:ln>
@@ -4535,8 +4610,7 @@
           <a:buSzTx/>
           <a:buFontTx/>
           <a:buNone/>
-          <a:tabLst/>
-          <a:defRPr b="0" baseline="0" cap="none" i="0" spc="0" strike="noStrike" sz="1800" u="none" kumimoji="0" normalizeH="0">
+          <a:defRPr kumimoji="0" sz="1800" b="0" i="0" u="none" strike="noStrike" cap="none" spc="0" normalizeH="0" baseline="0">
             <a:ln>
               <a:noFill/>
             </a:ln>
@@ -4561,8 +4635,7 @@
           <a:buSzTx/>
           <a:buFontTx/>
           <a:buNone/>
-          <a:tabLst/>
-          <a:defRPr b="0" baseline="0" cap="none" i="0" spc="0" strike="noStrike" sz="1800" u="none" kumimoji="0" normalizeH="0">
+          <a:defRPr kumimoji="0" sz="1800" b="0" i="0" u="none" strike="noStrike" cap="none" spc="0" normalizeH="0" baseline="0">
             <a:ln>
               <a:noFill/>
             </a:ln>
@@ -4587,8 +4660,7 @@
           <a:buSzTx/>
           <a:buFontTx/>
           <a:buNone/>
-          <a:tabLst/>
-          <a:defRPr b="0" baseline="0" cap="none" i="0" spc="0" strike="noStrike" sz="1800" u="none" kumimoji="0" normalizeH="0">
+          <a:defRPr kumimoji="0" sz="1800" b="0" i="0" u="none" strike="noStrike" cap="none" spc="0" normalizeH="0" baseline="0">
             <a:ln>
               <a:noFill/>
             </a:ln>
@@ -4613,8 +4685,7 @@
           <a:buSzTx/>
           <a:buFontTx/>
           <a:buNone/>
-          <a:tabLst/>
-          <a:defRPr b="0" baseline="0" cap="none" i="0" spc="0" strike="noStrike" sz="1800" u="none" kumimoji="0" normalizeH="0">
+          <a:defRPr kumimoji="0" sz="1800" b="0" i="0" u="none" strike="noStrike" cap="none" spc="0" normalizeH="0" baseline="0">
             <a:ln>
               <a:noFill/>
             </a:ln>
@@ -4639,8 +4710,7 @@
           <a:buSzTx/>
           <a:buFontTx/>
           <a:buNone/>
-          <a:tabLst/>
-          <a:defRPr b="0" baseline="0" cap="none" i="0" spc="0" strike="noStrike" sz="1800" u="none" kumimoji="0" normalizeH="0">
+          <a:defRPr kumimoji="0" sz="1800" b="0" i="0" u="none" strike="noStrike" cap="none" spc="0" normalizeH="0" baseline="0">
             <a:ln>
               <a:noFill/>
             </a:ln>
@@ -4653,9 +4723,15 @@
         </a:lvl9pPr>
       </a:lstStyle>
       <a:style>
-        <a:lnRef idx="0"/>
-        <a:fillRef idx="0"/>
-        <a:effectRef idx="0"/>
+        <a:lnRef idx="0">
+          <a:srgbClr val="FFFFFF"/>
+        </a:lnRef>
+        <a:fillRef idx="0">
+          <a:srgbClr val="FFFFFF"/>
+        </a:fillRef>
+        <a:effectRef idx="0">
+          <a:srgbClr val="FFFFFF"/>
+        </a:effectRef>
         <a:fontRef idx="none"/>
       </a:style>
     </a:spDef>
@@ -4669,8 +4745,6 @@
           <a:prstDash val="solid"/>
           <a:miter lim="400000"/>
         </a:ln>
-        <a:effectLst/>
-        <a:sp3d/>
       </a:spPr>
       <a:bodyPr rot="0" spcFirstLastPara="1" vertOverflow="overflow" horzOverflow="overflow" vert="horz" wrap="square" lIns="91439" tIns="45719" rIns="91439" bIns="45719" numCol="1" spcCol="38100" rtlCol="0" anchor="t" upright="0">
         <a:noAutofit/>
@@ -4690,8 +4764,7 @@
           <a:buSzTx/>
           <a:buFontTx/>
           <a:buNone/>
-          <a:tabLst/>
-          <a:defRPr b="0" baseline="0" cap="none" i="0" spc="0" strike="noStrike" sz="1800" u="none" kumimoji="0" normalizeH="0">
+          <a:defRPr kumimoji="0" sz="1800" b="0" i="0" u="none" strike="noStrike" cap="none" spc="0" normalizeH="0" baseline="0">
             <a:ln>
               <a:noFill/>
             </a:ln>
@@ -4716,8 +4789,7 @@
           <a:buSzTx/>
           <a:buFontTx/>
           <a:buNone/>
-          <a:tabLst/>
-          <a:defRPr b="0" baseline="0" cap="none" i="0" spc="0" strike="noStrike" sz="1800" u="none" kumimoji="0" normalizeH="0">
+          <a:defRPr kumimoji="0" sz="1800" b="0" i="0" u="none" strike="noStrike" cap="none" spc="0" normalizeH="0" baseline="0">
             <a:ln>
               <a:noFill/>
             </a:ln>
@@ -4742,8 +4814,7 @@
           <a:buSzTx/>
           <a:buFontTx/>
           <a:buNone/>
-          <a:tabLst/>
-          <a:defRPr b="0" baseline="0" cap="none" i="0" spc="0" strike="noStrike" sz="1800" u="none" kumimoji="0" normalizeH="0">
+          <a:defRPr kumimoji="0" sz="1800" b="0" i="0" u="none" strike="noStrike" cap="none" spc="0" normalizeH="0" baseline="0">
             <a:ln>
               <a:noFill/>
             </a:ln>
@@ -4768,8 +4839,7 @@
           <a:buSzTx/>
           <a:buFontTx/>
           <a:buNone/>
-          <a:tabLst/>
-          <a:defRPr b="0" baseline="0" cap="none" i="0" spc="0" strike="noStrike" sz="1800" u="none" kumimoji="0" normalizeH="0">
+          <a:defRPr kumimoji="0" sz="1800" b="0" i="0" u="none" strike="noStrike" cap="none" spc="0" normalizeH="0" baseline="0">
             <a:ln>
               <a:noFill/>
             </a:ln>
@@ -4794,8 +4864,7 @@
           <a:buSzTx/>
           <a:buFontTx/>
           <a:buNone/>
-          <a:tabLst/>
-          <a:defRPr b="0" baseline="0" cap="none" i="0" spc="0" strike="noStrike" sz="1800" u="none" kumimoji="0" normalizeH="0">
+          <a:defRPr kumimoji="0" sz="1800" b="0" i="0" u="none" strike="noStrike" cap="none" spc="0" normalizeH="0" baseline="0">
             <a:ln>
               <a:noFill/>
             </a:ln>
@@ -4820,8 +4889,7 @@
           <a:buSzTx/>
           <a:buFontTx/>
           <a:buNone/>
-          <a:tabLst/>
-          <a:defRPr b="0" baseline="0" cap="none" i="0" spc="0" strike="noStrike" sz="1800" u="none" kumimoji="0" normalizeH="0">
+          <a:defRPr kumimoji="0" sz="1800" b="0" i="0" u="none" strike="noStrike" cap="none" spc="0" normalizeH="0" baseline="0">
             <a:ln>
               <a:noFill/>
             </a:ln>
@@ -4846,8 +4914,7 @@
           <a:buSzTx/>
           <a:buFontTx/>
           <a:buNone/>
-          <a:tabLst/>
-          <a:defRPr b="0" baseline="0" cap="none" i="0" spc="0" strike="noStrike" sz="1800" u="none" kumimoji="0" normalizeH="0">
+          <a:defRPr kumimoji="0" sz="1800" b="0" i="0" u="none" strike="noStrike" cap="none" spc="0" normalizeH="0" baseline="0">
             <a:ln>
               <a:noFill/>
             </a:ln>
@@ -4872,8 +4939,7 @@
           <a:buSzTx/>
           <a:buFontTx/>
           <a:buNone/>
-          <a:tabLst/>
-          <a:defRPr b="0" baseline="0" cap="none" i="0" spc="0" strike="noStrike" sz="1800" u="none" kumimoji="0" normalizeH="0">
+          <a:defRPr kumimoji="0" sz="1800" b="0" i="0" u="none" strike="noStrike" cap="none" spc="0" normalizeH="0" baseline="0">
             <a:ln>
               <a:noFill/>
             </a:ln>
@@ -4898,8 +4964,7 @@
           <a:buSzTx/>
           <a:buFontTx/>
           <a:buNone/>
-          <a:tabLst/>
-          <a:defRPr b="0" baseline="0" cap="none" i="0" spc="0" strike="noStrike" sz="1800" u="none" kumimoji="0" normalizeH="0">
+          <a:defRPr kumimoji="0" sz="1800" b="0" i="0" u="none" strike="noStrike" cap="none" spc="0" normalizeH="0" baseline="0">
             <a:ln>
               <a:noFill/>
             </a:ln>
@@ -4924,8 +4989,7 @@
           <a:buSzTx/>
           <a:buFontTx/>
           <a:buNone/>
-          <a:tabLst/>
-          <a:defRPr b="0" baseline="0" cap="none" i="0" spc="0" strike="noStrike" sz="1800" u="none" kumimoji="0" normalizeH="0">
+          <a:defRPr kumimoji="0" sz="1800" b="0" i="0" u="none" strike="noStrike" cap="none" spc="0" normalizeH="0" baseline="0">
             <a:ln>
               <a:noFill/>
             </a:ln>
@@ -4938,9 +5002,15 @@
         </a:lvl9pPr>
       </a:lstStyle>
       <a:style>
-        <a:lnRef idx="0"/>
-        <a:fillRef idx="0"/>
-        <a:effectRef idx="0"/>
+        <a:lnRef idx="0">
+          <a:srgbClr val="FFFFFF"/>
+        </a:lnRef>
+        <a:fillRef idx="0">
+          <a:srgbClr val="FFFFFF"/>
+        </a:fillRef>
+        <a:effectRef idx="0">
+          <a:srgbClr val="FFFFFF"/>
+        </a:effectRef>
         <a:fontRef idx="none"/>
       </a:style>
     </a:lnDef>
@@ -4951,8 +5021,6 @@
           <a:noFill/>
           <a:miter lim="400000"/>
         </a:ln>
-        <a:effectLst/>
-        <a:sp3d/>
       </a:spPr>
       <a:bodyPr rot="0" spcFirstLastPara="1" vertOverflow="overflow" horzOverflow="overflow" vert="horz" wrap="square" lIns="50800" tIns="50800" rIns="50800" bIns="50800" numCol="1" spcCol="38100" rtlCol="0" anchor="ctr" upright="0">
         <a:spAutoFit/>
@@ -4972,8 +5040,7 @@
           <a:buSzTx/>
           <a:buFontTx/>
           <a:buNone/>
-          <a:tabLst/>
-          <a:defRPr b="0" baseline="0" cap="none" i="0" spc="0" strike="noStrike" sz="3600" u="none" kumimoji="0" normalizeH="0">
+          <a:defRPr kumimoji="0" sz="3600" b="0" i="0" u="none" strike="noStrike" cap="none" spc="0" normalizeH="0" baseline="0">
             <a:ln>
               <a:noFill/>
             </a:ln>
@@ -5002,8 +5069,7 @@
           <a:buSzTx/>
           <a:buFontTx/>
           <a:buNone/>
-          <a:tabLst/>
-          <a:defRPr b="0" baseline="0" cap="none" i="0" spc="0" strike="noStrike" sz="1800" u="none" kumimoji="0" normalizeH="0">
+          <a:defRPr kumimoji="0" sz="1800" b="0" i="0" u="none" strike="noStrike" cap="none" spc="0" normalizeH="0" baseline="0">
             <a:ln>
               <a:noFill/>
             </a:ln>
@@ -5028,8 +5094,7 @@
           <a:buSzTx/>
           <a:buFontTx/>
           <a:buNone/>
-          <a:tabLst/>
-          <a:defRPr b="0" baseline="0" cap="none" i="0" spc="0" strike="noStrike" sz="1800" u="none" kumimoji="0" normalizeH="0">
+          <a:defRPr kumimoji="0" sz="1800" b="0" i="0" u="none" strike="noStrike" cap="none" spc="0" normalizeH="0" baseline="0">
             <a:ln>
               <a:noFill/>
             </a:ln>
@@ -5054,8 +5119,7 @@
           <a:buSzTx/>
           <a:buFontTx/>
           <a:buNone/>
-          <a:tabLst/>
-          <a:defRPr b="0" baseline="0" cap="none" i="0" spc="0" strike="noStrike" sz="1800" u="none" kumimoji="0" normalizeH="0">
+          <a:defRPr kumimoji="0" sz="1800" b="0" i="0" u="none" strike="noStrike" cap="none" spc="0" normalizeH="0" baseline="0">
             <a:ln>
               <a:noFill/>
             </a:ln>
@@ -5080,8 +5144,7 @@
           <a:buSzTx/>
           <a:buFontTx/>
           <a:buNone/>
-          <a:tabLst/>
-          <a:defRPr b="0" baseline="0" cap="none" i="0" spc="0" strike="noStrike" sz="1800" u="none" kumimoji="0" normalizeH="0">
+          <a:defRPr kumimoji="0" sz="1800" b="0" i="0" u="none" strike="noStrike" cap="none" spc="0" normalizeH="0" baseline="0">
             <a:ln>
               <a:noFill/>
             </a:ln>
@@ -5106,8 +5169,7 @@
           <a:buSzTx/>
           <a:buFontTx/>
           <a:buNone/>
-          <a:tabLst/>
-          <a:defRPr b="0" baseline="0" cap="none" i="0" spc="0" strike="noStrike" sz="1800" u="none" kumimoji="0" normalizeH="0">
+          <a:defRPr kumimoji="0" sz="1800" b="0" i="0" u="none" strike="noStrike" cap="none" spc="0" normalizeH="0" baseline="0">
             <a:ln>
               <a:noFill/>
             </a:ln>
@@ -5132,8 +5194,7 @@
           <a:buSzTx/>
           <a:buFontTx/>
           <a:buNone/>
-          <a:tabLst/>
-          <a:defRPr b="0" baseline="0" cap="none" i="0" spc="0" strike="noStrike" sz="1800" u="none" kumimoji="0" normalizeH="0">
+          <a:defRPr kumimoji="0" sz="1800" b="0" i="0" u="none" strike="noStrike" cap="none" spc="0" normalizeH="0" baseline="0">
             <a:ln>
               <a:noFill/>
             </a:ln>
@@ -5158,8 +5219,7 @@
           <a:buSzTx/>
           <a:buFontTx/>
           <a:buNone/>
-          <a:tabLst/>
-          <a:defRPr b="0" baseline="0" cap="none" i="0" spc="0" strike="noStrike" sz="1800" u="none" kumimoji="0" normalizeH="0">
+          <a:defRPr kumimoji="0" sz="1800" b="0" i="0" u="none" strike="noStrike" cap="none" spc="0" normalizeH="0" baseline="0">
             <a:ln>
               <a:noFill/>
             </a:ln>
@@ -5184,8 +5244,7 @@
           <a:buSzTx/>
           <a:buFontTx/>
           <a:buNone/>
-          <a:tabLst/>
-          <a:defRPr b="0" baseline="0" cap="none" i="0" spc="0" strike="noStrike" sz="1800" u="none" kumimoji="0" normalizeH="0">
+          <a:defRPr kumimoji="0" sz="1800" b="0" i="0" u="none" strike="noStrike" cap="none" spc="0" normalizeH="0" baseline="0">
             <a:ln>
               <a:noFill/>
             </a:ln>
@@ -5210,8 +5269,7 @@
           <a:buSzTx/>
           <a:buFontTx/>
           <a:buNone/>
-          <a:tabLst/>
-          <a:defRPr b="0" baseline="0" cap="none" i="0" spc="0" strike="noStrike" sz="1800" u="none" kumimoji="0" normalizeH="0">
+          <a:defRPr kumimoji="0" sz="1800" b="0" i="0" u="none" strike="noStrike" cap="none" spc="0" normalizeH="0" baseline="0">
             <a:ln>
               <a:noFill/>
             </a:ln>
@@ -5224,18 +5282,29 @@
         </a:lvl9pPr>
       </a:lstStyle>
       <a:style>
-        <a:lnRef idx="0"/>
-        <a:fillRef idx="0"/>
-        <a:effectRef idx="0"/>
+        <a:lnRef idx="0">
+          <a:srgbClr val="FFFFFF"/>
+        </a:lnRef>
+        <a:fillRef idx="0">
+          <a:srgbClr val="FFFFFF"/>
+        </a:fillRef>
+        <a:effectRef idx="0">
+          <a:srgbClr val="FFFFFF"/>
+        </a:effectRef>
         <a:fontRef idx="none"/>
       </a:style>
     </a:txDef>
   </a:objectDefaults>
+  <a:extLst>
+    <a:ext uri="{05A4C25C-085E-4340-85A3-A5531E510DB2}">
+      <thm15:themeFamily xmlns:thm15="http://schemas.microsoft.com/office/thememl/2012/main" name="Office Theme" id="{62F939B6-93AF-4DB8-9C6B-D6C7DFDC589F}" vid="{4A3C46E8-61CC-4603-A589-7422A47A8E4A}"/>
+    </a:ext>
+  </a:extLst>
 </a:theme>
 </file>
 
 <file path=ppt/theme/theme2.xml><?xml version="1.0" encoding="utf-8"?>
-<a:theme xmlns:a="http://schemas.openxmlformats.org/drawingml/2006/main" xmlns:r="http://schemas.openxmlformats.org/officeDocument/2006/relationships" name="Showroom">
+<a:theme xmlns:a="http://schemas.openxmlformats.org/drawingml/2006/main" name="Showroom">
   <a:themeElements>
     <a:clrScheme name="Showroom">
       <a:dk1>
@@ -5431,8 +5500,6 @@
           <a:noFill/>
           <a:miter lim="400000"/>
         </a:ln>
-        <a:effectLst/>
-        <a:sp3d/>
       </a:spPr>
       <a:bodyPr rot="0" spcFirstLastPara="1" vertOverflow="overflow" horzOverflow="overflow" vert="horz" wrap="square" lIns="50800" tIns="50800" rIns="50800" bIns="50800" numCol="1" spcCol="38100" rtlCol="0" anchor="ctr" upright="0">
         <a:spAutoFit/>
@@ -5452,8 +5519,7 @@
           <a:buSzTx/>
           <a:buFontTx/>
           <a:buNone/>
-          <a:tabLst/>
-          <a:defRPr b="0" baseline="0" cap="none" i="0" spc="0" strike="noStrike" sz="3600" u="none" kumimoji="0" normalizeH="0">
+          <a:defRPr kumimoji="0" sz="3600" b="0" i="0" u="none" strike="noStrike" cap="none" spc="0" normalizeH="0" baseline="0">
             <a:ln>
               <a:noFill/>
             </a:ln>
@@ -5482,8 +5548,7 @@
           <a:buSzTx/>
           <a:buFontTx/>
           <a:buNone/>
-          <a:tabLst/>
-          <a:defRPr b="0" baseline="0" cap="none" i="0" spc="0" strike="noStrike" sz="1800" u="none" kumimoji="0" normalizeH="0">
+          <a:defRPr kumimoji="0" sz="1800" b="0" i="0" u="none" strike="noStrike" cap="none" spc="0" normalizeH="0" baseline="0">
             <a:ln>
               <a:noFill/>
             </a:ln>
@@ -5508,8 +5573,7 @@
           <a:buSzTx/>
           <a:buFontTx/>
           <a:buNone/>
-          <a:tabLst/>
-          <a:defRPr b="0" baseline="0" cap="none" i="0" spc="0" strike="noStrike" sz="1800" u="none" kumimoji="0" normalizeH="0">
+          <a:defRPr kumimoji="0" sz="1800" b="0" i="0" u="none" strike="noStrike" cap="none" spc="0" normalizeH="0" baseline="0">
             <a:ln>
               <a:noFill/>
             </a:ln>
@@ -5534,8 +5598,7 @@
           <a:buSzTx/>
           <a:buFontTx/>
           <a:buNone/>
-          <a:tabLst/>
-          <a:defRPr b="0" baseline="0" cap="none" i="0" spc="0" strike="noStrike" sz="1800" u="none" kumimoji="0" normalizeH="0">
+          <a:defRPr kumimoji="0" sz="1800" b="0" i="0" u="none" strike="noStrike" cap="none" spc="0" normalizeH="0" baseline="0">
             <a:ln>
               <a:noFill/>
             </a:ln>
@@ -5560,8 +5623,7 @@
           <a:buSzTx/>
           <a:buFontTx/>
           <a:buNone/>
-          <a:tabLst/>
-          <a:defRPr b="0" baseline="0" cap="none" i="0" spc="0" strike="noStrike" sz="1800" u="none" kumimoji="0" normalizeH="0">
+          <a:defRPr kumimoji="0" sz="1800" b="0" i="0" u="none" strike="noStrike" cap="none" spc="0" normalizeH="0" baseline="0">
             <a:ln>
               <a:noFill/>
             </a:ln>
@@ -5586,8 +5648,7 @@
           <a:buSzTx/>
           <a:buFontTx/>
           <a:buNone/>
-          <a:tabLst/>
-          <a:defRPr b="0" baseline="0" cap="none" i="0" spc="0" strike="noStrike" sz="1800" u="none" kumimoji="0" normalizeH="0">
+          <a:defRPr kumimoji="0" sz="1800" b="0" i="0" u="none" strike="noStrike" cap="none" spc="0" normalizeH="0" baseline="0">
             <a:ln>
               <a:noFill/>
             </a:ln>
@@ -5612,8 +5673,7 @@
           <a:buSzTx/>
           <a:buFontTx/>
           <a:buNone/>
-          <a:tabLst/>
-          <a:defRPr b="0" baseline="0" cap="none" i="0" spc="0" strike="noStrike" sz="1800" u="none" kumimoji="0" normalizeH="0">
+          <a:defRPr kumimoji="0" sz="1800" b="0" i="0" u="none" strike="noStrike" cap="none" spc="0" normalizeH="0" baseline="0">
             <a:ln>
               <a:noFill/>
             </a:ln>
@@ -5638,8 +5698,7 @@
           <a:buSzTx/>
           <a:buFontTx/>
           <a:buNone/>
-          <a:tabLst/>
-          <a:defRPr b="0" baseline="0" cap="none" i="0" spc="0" strike="noStrike" sz="1800" u="none" kumimoji="0" normalizeH="0">
+          <a:defRPr kumimoji="0" sz="1800" b="0" i="0" u="none" strike="noStrike" cap="none" spc="0" normalizeH="0" baseline="0">
             <a:ln>
               <a:noFill/>
             </a:ln>
@@ -5664,8 +5723,7 @@
           <a:buSzTx/>
           <a:buFontTx/>
           <a:buNone/>
-          <a:tabLst/>
-          <a:defRPr b="0" baseline="0" cap="none" i="0" spc="0" strike="noStrike" sz="1800" u="none" kumimoji="0" normalizeH="0">
+          <a:defRPr kumimoji="0" sz="1800" b="0" i="0" u="none" strike="noStrike" cap="none" spc="0" normalizeH="0" baseline="0">
             <a:ln>
               <a:noFill/>
             </a:ln>
@@ -5690,8 +5748,7 @@
           <a:buSzTx/>
           <a:buFontTx/>
           <a:buNone/>
-          <a:tabLst/>
-          <a:defRPr b="0" baseline="0" cap="none" i="0" spc="0" strike="noStrike" sz="1800" u="none" kumimoji="0" normalizeH="0">
+          <a:defRPr kumimoji="0" sz="1800" b="0" i="0" u="none" strike="noStrike" cap="none" spc="0" normalizeH="0" baseline="0">
             <a:ln>
               <a:noFill/>
             </a:ln>
@@ -5704,9 +5761,15 @@
         </a:lvl9pPr>
       </a:lstStyle>
       <a:style>
-        <a:lnRef idx="0"/>
-        <a:fillRef idx="0"/>
-        <a:effectRef idx="0"/>
+        <a:lnRef idx="0">
+          <a:srgbClr val="FFFFFF"/>
+        </a:lnRef>
+        <a:fillRef idx="0">
+          <a:srgbClr val="FFFFFF"/>
+        </a:fillRef>
+        <a:effectRef idx="0">
+          <a:srgbClr val="FFFFFF"/>
+        </a:effectRef>
         <a:fontRef idx="none"/>
       </a:style>
     </a:spDef>
@@ -5720,8 +5783,6 @@
           <a:prstDash val="solid"/>
           <a:miter lim="400000"/>
         </a:ln>
-        <a:effectLst/>
-        <a:sp3d/>
       </a:spPr>
       <a:bodyPr rot="0" spcFirstLastPara="1" vertOverflow="overflow" horzOverflow="overflow" vert="horz" wrap="square" lIns="91439" tIns="45719" rIns="91439" bIns="45719" numCol="1" spcCol="38100" rtlCol="0" anchor="t" upright="0">
         <a:noAutofit/>
@@ -5741,8 +5802,7 @@
           <a:buSzTx/>
           <a:buFontTx/>
           <a:buNone/>
-          <a:tabLst/>
-          <a:defRPr b="0" baseline="0" cap="none" i="0" spc="0" strike="noStrike" sz="1800" u="none" kumimoji="0" normalizeH="0">
+          <a:defRPr kumimoji="0" sz="1800" b="0" i="0" u="none" strike="noStrike" cap="none" spc="0" normalizeH="0" baseline="0">
             <a:ln>
               <a:noFill/>
             </a:ln>
@@ -5767,8 +5827,7 @@
           <a:buSzTx/>
           <a:buFontTx/>
           <a:buNone/>
-          <a:tabLst/>
-          <a:defRPr b="0" baseline="0" cap="none" i="0" spc="0" strike="noStrike" sz="1800" u="none" kumimoji="0" normalizeH="0">
+          <a:defRPr kumimoji="0" sz="1800" b="0" i="0" u="none" strike="noStrike" cap="none" spc="0" normalizeH="0" baseline="0">
             <a:ln>
               <a:noFill/>
             </a:ln>
@@ -5793,8 +5852,7 @@
           <a:buSzTx/>
           <a:buFontTx/>
           <a:buNone/>
-          <a:tabLst/>
-          <a:defRPr b="0" baseline="0" cap="none" i="0" spc="0" strike="noStrike" sz="1800" u="none" kumimoji="0" normalizeH="0">
+          <a:defRPr kumimoji="0" sz="1800" b="0" i="0" u="none" strike="noStrike" cap="none" spc="0" normalizeH="0" baseline="0">
             <a:ln>
               <a:noFill/>
             </a:ln>
@@ -5819,8 +5877,7 @@
           <a:buSzTx/>
           <a:buFontTx/>
           <a:buNone/>
-          <a:tabLst/>
-          <a:defRPr b="0" baseline="0" cap="none" i="0" spc="0" strike="noStrike" sz="1800" u="none" kumimoji="0" normalizeH="0">
+          <a:defRPr kumimoji="0" sz="1800" b="0" i="0" u="none" strike="noStrike" cap="none" spc="0" normalizeH="0" baseline="0">
             <a:ln>
               <a:noFill/>
             </a:ln>
@@ -5845,8 +5902,7 @@
           <a:buSzTx/>
           <a:buFontTx/>
           <a:buNone/>
-          <a:tabLst/>
-          <a:defRPr b="0" baseline="0" cap="none" i="0" spc="0" strike="noStrike" sz="1800" u="none" kumimoji="0" normalizeH="0">
+          <a:defRPr kumimoji="0" sz="1800" b="0" i="0" u="none" strike="noStrike" cap="none" spc="0" normalizeH="0" baseline="0">
             <a:ln>
               <a:noFill/>
             </a:ln>
@@ -5871,8 +5927,7 @@
           <a:buSzTx/>
           <a:buFontTx/>
           <a:buNone/>
-          <a:tabLst/>
-          <a:defRPr b="0" baseline="0" cap="none" i="0" spc="0" strike="noStrike" sz="1800" u="none" kumimoji="0" normalizeH="0">
+          <a:defRPr kumimoji="0" sz="1800" b="0" i="0" u="none" strike="noStrike" cap="none" spc="0" normalizeH="0" baseline="0">
             <a:ln>
               <a:noFill/>
             </a:ln>
@@ -5897,8 +5952,7 @@
           <a:buSzTx/>
           <a:buFontTx/>
           <a:buNone/>
-          <a:tabLst/>
-          <a:defRPr b="0" baseline="0" cap="none" i="0" spc="0" strike="noStrike" sz="1800" u="none" kumimoji="0" normalizeH="0">
+          <a:defRPr kumimoji="0" sz="1800" b="0" i="0" u="none" strike="noStrike" cap="none" spc="0" normalizeH="0" baseline="0">
             <a:ln>
               <a:noFill/>
             </a:ln>
@@ -5923,8 +5977,7 @@
           <a:buSzTx/>
           <a:buFontTx/>
           <a:buNone/>
-          <a:tabLst/>
-          <a:defRPr b="0" baseline="0" cap="none" i="0" spc="0" strike="noStrike" sz="1800" u="none" kumimoji="0" normalizeH="0">
+          <a:defRPr kumimoji="0" sz="1800" b="0" i="0" u="none" strike="noStrike" cap="none" spc="0" normalizeH="0" baseline="0">
             <a:ln>
               <a:noFill/>
             </a:ln>
@@ -5949,8 +6002,7 @@
           <a:buSzTx/>
           <a:buFontTx/>
           <a:buNone/>
-          <a:tabLst/>
-          <a:defRPr b="0" baseline="0" cap="none" i="0" spc="0" strike="noStrike" sz="1800" u="none" kumimoji="0" normalizeH="0">
+          <a:defRPr kumimoji="0" sz="1800" b="0" i="0" u="none" strike="noStrike" cap="none" spc="0" normalizeH="0" baseline="0">
             <a:ln>
               <a:noFill/>
             </a:ln>
@@ -5975,8 +6027,7 @@
           <a:buSzTx/>
           <a:buFontTx/>
           <a:buNone/>
-          <a:tabLst/>
-          <a:defRPr b="0" baseline="0" cap="none" i="0" spc="0" strike="noStrike" sz="1800" u="none" kumimoji="0" normalizeH="0">
+          <a:defRPr kumimoji="0" sz="1800" b="0" i="0" u="none" strike="noStrike" cap="none" spc="0" normalizeH="0" baseline="0">
             <a:ln>
               <a:noFill/>
             </a:ln>
@@ -5989,9 +6040,15 @@
         </a:lvl9pPr>
       </a:lstStyle>
       <a:style>
-        <a:lnRef idx="0"/>
-        <a:fillRef idx="0"/>
-        <a:effectRef idx="0"/>
+        <a:lnRef idx="0">
+          <a:srgbClr val="FFFFFF"/>
+        </a:lnRef>
+        <a:fillRef idx="0">
+          <a:srgbClr val="FFFFFF"/>
+        </a:fillRef>
+        <a:effectRef idx="0">
+          <a:srgbClr val="FFFFFF"/>
+        </a:effectRef>
         <a:fontRef idx="none"/>
       </a:style>
     </a:lnDef>
@@ -6002,8 +6059,6 @@
           <a:noFill/>
           <a:miter lim="400000"/>
         </a:ln>
-        <a:effectLst/>
-        <a:sp3d/>
       </a:spPr>
       <a:bodyPr rot="0" spcFirstLastPara="1" vertOverflow="overflow" horzOverflow="overflow" vert="horz" wrap="square" lIns="50800" tIns="50800" rIns="50800" bIns="50800" numCol="1" spcCol="38100" rtlCol="0" anchor="ctr" upright="0">
         <a:spAutoFit/>
@@ -6023,8 +6078,7 @@
           <a:buSzTx/>
           <a:buFontTx/>
           <a:buNone/>
-          <a:tabLst/>
-          <a:defRPr b="0" baseline="0" cap="none" i="0" spc="0" strike="noStrike" sz="3600" u="none" kumimoji="0" normalizeH="0">
+          <a:defRPr kumimoji="0" sz="3600" b="0" i="0" u="none" strike="noStrike" cap="none" spc="0" normalizeH="0" baseline="0">
             <a:ln>
               <a:noFill/>
             </a:ln>
@@ -6053,8 +6107,7 @@
           <a:buSzTx/>
           <a:buFontTx/>
           <a:buNone/>
-          <a:tabLst/>
-          <a:defRPr b="0" baseline="0" cap="none" i="0" spc="0" strike="noStrike" sz="1800" u="none" kumimoji="0" normalizeH="0">
+          <a:defRPr kumimoji="0" sz="1800" b="0" i="0" u="none" strike="noStrike" cap="none" spc="0" normalizeH="0" baseline="0">
             <a:ln>
               <a:noFill/>
             </a:ln>
@@ -6079,8 +6132,7 @@
           <a:buSzTx/>
           <a:buFontTx/>
           <a:buNone/>
-          <a:tabLst/>
-          <a:defRPr b="0" baseline="0" cap="none" i="0" spc="0" strike="noStrike" sz="1800" u="none" kumimoji="0" normalizeH="0">
+          <a:defRPr kumimoji="0" sz="1800" b="0" i="0" u="none" strike="noStrike" cap="none" spc="0" normalizeH="0" baseline="0">
             <a:ln>
               <a:noFill/>
             </a:ln>
@@ -6105,8 +6157,7 @@
           <a:buSzTx/>
           <a:buFontTx/>
           <a:buNone/>
-          <a:tabLst/>
-          <a:defRPr b="0" baseline="0" cap="none" i="0" spc="0" strike="noStrike" sz="1800" u="none" kumimoji="0" normalizeH="0">
+          <a:defRPr kumimoji="0" sz="1800" b="0" i="0" u="none" strike="noStrike" cap="none" spc="0" normalizeH="0" baseline="0">
             <a:ln>
               <a:noFill/>
             </a:ln>
@@ -6131,8 +6182,7 @@
           <a:buSzTx/>
           <a:buFontTx/>
           <a:buNone/>
-          <a:tabLst/>
-          <a:defRPr b="0" baseline="0" cap="none" i="0" spc="0" strike="noStrike" sz="1800" u="none" kumimoji="0" normalizeH="0">
+          <a:defRPr kumimoji="0" sz="1800" b="0" i="0" u="none" strike="noStrike" cap="none" spc="0" normalizeH="0" baseline="0">
             <a:ln>
               <a:noFill/>
             </a:ln>
@@ -6157,8 +6207,7 @@
           <a:buSzTx/>
           <a:buFontTx/>
           <a:buNone/>
-          <a:tabLst/>
-          <a:defRPr b="0" baseline="0" cap="none" i="0" spc="0" strike="noStrike" sz="1800" u="none" kumimoji="0" normalizeH="0">
+          <a:defRPr kumimoji="0" sz="1800" b="0" i="0" u="none" strike="noStrike" cap="none" spc="0" normalizeH="0" baseline="0">
             <a:ln>
               <a:noFill/>
             </a:ln>
@@ -6183,8 +6232,7 @@
           <a:buSzTx/>
           <a:buFontTx/>
           <a:buNone/>
-          <a:tabLst/>
-          <a:defRPr b="0" baseline="0" cap="none" i="0" spc="0" strike="noStrike" sz="1800" u="none" kumimoji="0" normalizeH="0">
+          <a:defRPr kumimoji="0" sz="1800" b="0" i="0" u="none" strike="noStrike" cap="none" spc="0" normalizeH="0" baseline="0">
             <a:ln>
               <a:noFill/>
             </a:ln>
@@ -6209,8 +6257,7 @@
           <a:buSzTx/>
           <a:buFontTx/>
           <a:buNone/>
-          <a:tabLst/>
-          <a:defRPr b="0" baseline="0" cap="none" i="0" spc="0" strike="noStrike" sz="1800" u="none" kumimoji="0" normalizeH="0">
+          <a:defRPr kumimoji="0" sz="1800" b="0" i="0" u="none" strike="noStrike" cap="none" spc="0" normalizeH="0" baseline="0">
             <a:ln>
               <a:noFill/>
             </a:ln>
@@ -6235,8 +6282,7 @@
           <a:buSzTx/>
           <a:buFontTx/>
           <a:buNone/>
-          <a:tabLst/>
-          <a:defRPr b="0" baseline="0" cap="none" i="0" spc="0" strike="noStrike" sz="1800" u="none" kumimoji="0" normalizeH="0">
+          <a:defRPr kumimoji="0" sz="1800" b="0" i="0" u="none" strike="noStrike" cap="none" spc="0" normalizeH="0" baseline="0">
             <a:ln>
               <a:noFill/>
             </a:ln>
@@ -6261,8 +6307,7 @@
           <a:buSzTx/>
           <a:buFontTx/>
           <a:buNone/>
-          <a:tabLst/>
-          <a:defRPr b="0" baseline="0" cap="none" i="0" spc="0" strike="noStrike" sz="1800" u="none" kumimoji="0" normalizeH="0">
+          <a:defRPr kumimoji="0" sz="1800" b="0" i="0" u="none" strike="noStrike" cap="none" spc="0" normalizeH="0" baseline="0">
             <a:ln>
               <a:noFill/>
             </a:ln>
@@ -6275,12 +6320,23 @@
         </a:lvl9pPr>
       </a:lstStyle>
       <a:style>
-        <a:lnRef idx="0"/>
-        <a:fillRef idx="0"/>
-        <a:effectRef idx="0"/>
+        <a:lnRef idx="0">
+          <a:srgbClr val="FFFFFF"/>
+        </a:lnRef>
+        <a:fillRef idx="0">
+          <a:srgbClr val="FFFFFF"/>
+        </a:fillRef>
+        <a:effectRef idx="0">
+          <a:srgbClr val="FFFFFF"/>
+        </a:effectRef>
         <a:fontRef idx="none"/>
       </a:style>
     </a:txDef>
   </a:objectDefaults>
+  <a:extLst>
+    <a:ext uri="{05A4C25C-085E-4340-85A3-A5531E510DB2}">
+      <thm15:themeFamily xmlns:thm15="http://schemas.microsoft.com/office/thememl/2012/main" name="Office Theme" id="{62F939B6-93AF-4DB8-9C6B-D6C7DFDC589F}" vid="{4A3C46E8-61CC-4603-A589-7422A47A8E4A}"/>
+    </a:ext>
+  </a:extLst>
 </a:theme>
 </file>